--- a/Akka_Sample/JaxDug_Presentation_Akka_Overview.pptx
+++ b/Akka_Sample/JaxDug_Presentation_Akka_Overview.pptx
@@ -19,6 +19,7 @@
     <p:sldId id="269" r:id="rId13"/>
     <p:sldId id="270" r:id="rId14"/>
     <p:sldId id="271" r:id="rId15"/>
+    <p:sldId id="272" r:id="rId16"/>
   </p:sldIdLst>
   <p:sldSz cx="12192000" cy="6858000"/>
   <p:notesSz cx="6858000" cy="9144000"/>
@@ -10492,7 +10493,7 @@
           <a:p>
             <a:fld id="{FE8BC13A-84C2-4F23-B046-9F1FD285F1D3}" type="datetimeFigureOut">
               <a:rPr lang="en-US" smtClean="0"/>
-              <a:t>6/4/2017</a:t>
+              <a:t>6/5/2017</a:t>
             </a:fld>
             <a:endParaRPr lang="en-US"/>
           </a:p>
@@ -10765,7 +10766,7 @@
           <a:p>
             <a:fld id="{FE8BC13A-84C2-4F23-B046-9F1FD285F1D3}" type="datetimeFigureOut">
               <a:rPr lang="en-US" smtClean="0"/>
-              <a:t>6/4/2017</a:t>
+              <a:t>6/5/2017</a:t>
             </a:fld>
             <a:endParaRPr lang="en-US"/>
           </a:p>
@@ -11022,7 +11023,7 @@
           <a:p>
             <a:fld id="{FE8BC13A-84C2-4F23-B046-9F1FD285F1D3}" type="datetimeFigureOut">
               <a:rPr lang="en-US" smtClean="0"/>
-              <a:t>6/4/2017</a:t>
+              <a:t>6/5/2017</a:t>
             </a:fld>
             <a:endParaRPr lang="en-US"/>
           </a:p>
@@ -11369,7 +11370,7 @@
           <a:p>
             <a:fld id="{FE8BC13A-84C2-4F23-B046-9F1FD285F1D3}" type="datetimeFigureOut">
               <a:rPr lang="en-US" smtClean="0"/>
-              <a:t>6/4/2017</a:t>
+              <a:t>6/5/2017</a:t>
             </a:fld>
             <a:endParaRPr lang="en-US"/>
           </a:p>
@@ -11771,7 +11772,7 @@
           <a:p>
             <a:fld id="{FE8BC13A-84C2-4F23-B046-9F1FD285F1D3}" type="datetimeFigureOut">
               <a:rPr lang="en-US" smtClean="0"/>
-              <a:t>6/4/2017</a:t>
+              <a:t>6/5/2017</a:t>
             </a:fld>
             <a:endParaRPr lang="en-US"/>
           </a:p>
@@ -11889,7 +11890,7 @@
           <a:p>
             <a:fld id="{FE8BC13A-84C2-4F23-B046-9F1FD285F1D3}" type="datetimeFigureOut">
               <a:rPr lang="en-US" smtClean="0"/>
-              <a:t>6/4/2017</a:t>
+              <a:t>6/5/2017</a:t>
             </a:fld>
             <a:endParaRPr lang="en-US"/>
           </a:p>
@@ -11984,7 +11985,7 @@
           <a:p>
             <a:fld id="{FE8BC13A-84C2-4F23-B046-9F1FD285F1D3}" type="datetimeFigureOut">
               <a:rPr lang="en-US" smtClean="0"/>
-              <a:t>6/4/2017</a:t>
+              <a:t>6/5/2017</a:t>
             </a:fld>
             <a:endParaRPr lang="en-US"/>
           </a:p>
@@ -12274,7 +12275,7 @@
           <a:p>
             <a:fld id="{FE8BC13A-84C2-4F23-B046-9F1FD285F1D3}" type="datetimeFigureOut">
               <a:rPr lang="en-US" smtClean="0"/>
-              <a:t>6/4/2017</a:t>
+              <a:t>6/5/2017</a:t>
             </a:fld>
             <a:endParaRPr lang="en-US"/>
           </a:p>
@@ -12551,7 +12552,7 @@
           <a:p>
             <a:fld id="{FE8BC13A-84C2-4F23-B046-9F1FD285F1D3}" type="datetimeFigureOut">
               <a:rPr lang="en-US" smtClean="0"/>
-              <a:t>6/4/2017</a:t>
+              <a:t>6/5/2017</a:t>
             </a:fld>
             <a:endParaRPr lang="en-US"/>
           </a:p>
@@ -12804,7 +12805,7 @@
           <a:p>
             <a:fld id="{FE8BC13A-84C2-4F23-B046-9F1FD285F1D3}" type="datetimeFigureOut">
               <a:rPr lang="en-US" smtClean="0"/>
-              <a:t>6/4/2017</a:t>
+              <a:t>6/5/2017</a:t>
             </a:fld>
             <a:endParaRPr lang="en-US"/>
           </a:p>
@@ -13789,15 +13790,7 @@
           <a:p>
             <a:r>
               <a:rPr lang="en-US" dirty="0" smtClean="0"/>
-              <a:t>Full </a:t>
-            </a:r>
-            <a:r>
-              <a:rPr lang="en-US" dirty="0" smtClean="0"/>
-              <a:t>CQRS and Event </a:t>
-            </a:r>
-            <a:r>
-              <a:rPr lang="en-US" dirty="0" smtClean="0"/>
-              <a:t>Sourcing plugin for the Akka.net actors </a:t>
+              <a:t>Full CQRS and Event Sourcing plugin for the Akka.net actors </a:t>
             </a:r>
           </a:p>
           <a:p>
@@ -14072,6 +14065,363 @@
 </p:sld>
 </file>
 
+<file path=ppt/slides/slide15.xml><?xml version="1.0" encoding="utf-8"?>
+<p:sld xmlns:a="http://schemas.openxmlformats.org/drawingml/2006/main" xmlns:r="http://schemas.openxmlformats.org/officeDocument/2006/relationships" xmlns:p="http://schemas.openxmlformats.org/presentationml/2006/main">
+  <p:cSld>
+    <p:spTree>
+      <p:nvGrpSpPr>
+        <p:cNvPr id="1" name=""/>
+        <p:cNvGrpSpPr/>
+        <p:nvPr/>
+      </p:nvGrpSpPr>
+      <p:grpSpPr>
+        <a:xfrm>
+          <a:off x="0" y="0"/>
+          <a:ext cx="0" cy="0"/>
+          <a:chOff x="0" y="0"/>
+          <a:chExt cx="0" cy="0"/>
+        </a:xfrm>
+      </p:grpSpPr>
+      <p:sp>
+        <p:nvSpPr>
+          <p:cNvPr id="5" name="Title 4"/>
+          <p:cNvSpPr>
+            <a:spLocks noGrp="1"/>
+          </p:cNvSpPr>
+          <p:nvPr>
+            <p:ph type="title"/>
+          </p:nvPr>
+        </p:nvSpPr>
+        <p:spPr/>
+        <p:txBody>
+          <a:bodyPr/>
+          <a:lstStyle/>
+          <a:p>
+            <a:r>
+              <a:rPr lang="en-US" dirty="0" smtClean="0"/>
+              <a:t>Thanks to all the new jaxdug members!</a:t>
+            </a:r>
+            <a:endParaRPr lang="en-US" dirty="0"/>
+          </a:p>
+        </p:txBody>
+      </p:sp>
+      <p:sp>
+        <p:nvSpPr>
+          <p:cNvPr id="7" name="Content Placeholder 6"/>
+          <p:cNvSpPr>
+            <a:spLocks noGrp="1"/>
+          </p:cNvSpPr>
+          <p:nvPr>
+            <p:ph sz="half" idx="2"/>
+          </p:nvPr>
+        </p:nvSpPr>
+        <p:spPr/>
+        <p:txBody>
+          <a:bodyPr>
+            <a:normAutofit/>
+          </a:bodyPr>
+          <a:lstStyle/>
+          <a:p>
+            <a:r>
+              <a:rPr lang="en-US" dirty="0" smtClean="0"/>
+              <a:t>Sample code and slides available online via my GitHub repository:</a:t>
+            </a:r>
+          </a:p>
+          <a:p>
+            <a:r>
+              <a:rPr lang="en-US" sz="1800" dirty="0">
+                <a:hlinkClick r:id="rId2"/>
+              </a:rPr>
+              <a:t>https://</a:t>
+            </a:r>
+            <a:r>
+              <a:rPr lang="en-US" sz="1800" dirty="0" smtClean="0">
+                <a:hlinkClick r:id="rId2"/>
+              </a:rPr>
+              <a:t>github.com/MarkEwer/JaxDugSamples</a:t>
+            </a:r>
+            <a:r>
+              <a:rPr lang="en-US" sz="1800" dirty="0" smtClean="0"/>
+              <a:t> </a:t>
+            </a:r>
+          </a:p>
+          <a:p>
+            <a:pPr algn="ctr"/>
+            <a:r>
+              <a:rPr lang="en-US" dirty="0" smtClean="0"/>
+              <a:t>______________________________</a:t>
+            </a:r>
+          </a:p>
+          <a:p>
+            <a:endParaRPr lang="en-US" dirty="0"/>
+          </a:p>
+          <a:p>
+            <a:r>
+              <a:rPr lang="en-US" sz="1300" dirty="0"/>
+              <a:t>Work:  </a:t>
+            </a:r>
+            <a:r>
+              <a:rPr lang="en-US" sz="1300" dirty="0" smtClean="0">
+                <a:hlinkClick r:id="rId3"/>
+              </a:rPr>
+              <a:t>Mewer@DiscoverTec.com</a:t>
+            </a:r>
+            <a:r>
+              <a:rPr lang="en-US" sz="1300" dirty="0" smtClean="0"/>
+              <a:t/>
+            </a:r>
+            <a:br>
+              <a:rPr lang="en-US" sz="1300" dirty="0" smtClean="0"/>
+            </a:br>
+            <a:r>
+              <a:rPr lang="en-US" sz="1300" dirty="0" smtClean="0"/>
+              <a:t>Personal</a:t>
+            </a:r>
+            <a:r>
+              <a:rPr lang="en-US" sz="1300" dirty="0"/>
+              <a:t>: </a:t>
+            </a:r>
+            <a:r>
+              <a:rPr lang="en-US" sz="1300" dirty="0" smtClean="0">
+                <a:hlinkClick r:id="rId4"/>
+              </a:rPr>
+              <a:t>Mark@3w3r.com</a:t>
+            </a:r>
+            <a:r>
+              <a:rPr lang="en-US" sz="1300" dirty="0" smtClean="0"/>
+              <a:t/>
+            </a:r>
+            <a:br>
+              <a:rPr lang="en-US" sz="1300" dirty="0" smtClean="0"/>
+            </a:br>
+            <a:r>
+              <a:rPr lang="en-US" sz="1300" dirty="0" smtClean="0"/>
+              <a:t>Web</a:t>
+            </a:r>
+            <a:r>
+              <a:rPr lang="en-US" sz="1300" dirty="0"/>
+              <a:t>: </a:t>
+            </a:r>
+            <a:r>
+              <a:rPr lang="en-US" sz="1300" dirty="0">
+                <a:hlinkClick r:id="rId5"/>
+              </a:rPr>
+              <a:t>http://</a:t>
+            </a:r>
+            <a:r>
+              <a:rPr lang="en-US" sz="1300" dirty="0" smtClean="0">
+                <a:hlinkClick r:id="rId5"/>
+              </a:rPr>
+              <a:t>www.markewer.com</a:t>
+            </a:r>
+            <a:r>
+              <a:rPr lang="en-US" sz="1300" dirty="0" smtClean="0"/>
+              <a:t/>
+            </a:r>
+            <a:br>
+              <a:rPr lang="en-US" sz="1300" dirty="0" smtClean="0"/>
+            </a:br>
+            <a:r>
+              <a:rPr lang="en-US" sz="1300" dirty="0" smtClean="0"/>
+              <a:t>LinkedIn</a:t>
+            </a:r>
+            <a:r>
+              <a:rPr lang="en-US" sz="1300" dirty="0"/>
+              <a:t>: </a:t>
+            </a:r>
+            <a:r>
+              <a:rPr lang="en-US" sz="1300" dirty="0">
+                <a:hlinkClick r:id="rId6"/>
+              </a:rPr>
+              <a:t>http://www.linkein.com/in/markewer</a:t>
+            </a:r>
+            <a:r>
+              <a:rPr lang="en-US" sz="1300" dirty="0"/>
+              <a:t> </a:t>
+            </a:r>
+            <a:r>
+              <a:rPr lang="en-US" sz="1300" dirty="0" smtClean="0"/>
+              <a:t/>
+            </a:r>
+            <a:br>
+              <a:rPr lang="en-US" sz="1300" dirty="0" smtClean="0"/>
+            </a:br>
+            <a:r>
+              <a:rPr lang="en-US" sz="1300" dirty="0" smtClean="0"/>
+              <a:t>Phone</a:t>
+            </a:r>
+            <a:r>
+              <a:rPr lang="en-US" sz="1300" dirty="0"/>
+              <a:t>: (904) 238-7347</a:t>
+            </a:r>
+          </a:p>
+          <a:p>
+            <a:endParaRPr lang="en-US" dirty="0"/>
+          </a:p>
+        </p:txBody>
+      </p:sp>
+      <p:pic>
+        <p:nvPicPr>
+          <p:cNvPr id="9" name="Picture 8"/>
+          <p:cNvPicPr>
+            <a:picLocks noChangeAspect="1"/>
+          </p:cNvPicPr>
+          <p:nvPr/>
+        </p:nvPicPr>
+        <p:blipFill rotWithShape="1">
+          <a:blip r:embed="rId7">
+            <a:extLst>
+              <a:ext uri="{28A0092B-C50C-407E-A947-70E740481C1C}">
+                <a14:useLocalDpi xmlns:a14="http://schemas.microsoft.com/office/drawing/2010/main" val="0"/>
+              </a:ext>
+            </a:extLst>
+          </a:blip>
+          <a:srcRect l="39527" r="23674"/>
+          <a:stretch/>
+        </p:blipFill>
+        <p:spPr>
+          <a:xfrm>
+            <a:off x="2075175" y="2813774"/>
+            <a:ext cx="2459878" cy="1051046"/>
+          </a:xfrm>
+          <a:prstGeom prst="rect">
+            <a:avLst/>
+          </a:prstGeom>
+        </p:spPr>
+      </p:pic>
+      <p:pic>
+        <p:nvPicPr>
+          <p:cNvPr id="8" name="Content Placeholder 7"/>
+          <p:cNvPicPr>
+            <a:picLocks noGrp="1" noChangeAspect="1"/>
+          </p:cNvPicPr>
+          <p:nvPr>
+            <p:ph sz="half" idx="1"/>
+          </p:nvPr>
+        </p:nvPicPr>
+        <p:blipFill>
+          <a:blip r:embed="rId8">
+            <a:extLst>
+              <a:ext uri="{28A0092B-C50C-407E-A947-70E740481C1C}">
+                <a14:useLocalDpi xmlns:a14="http://schemas.microsoft.com/office/drawing/2010/main" val="0"/>
+              </a:ext>
+            </a:extLst>
+          </a:blip>
+          <a:stretch>
+            <a:fillRect/>
+          </a:stretch>
+        </p:blipFill>
+        <p:spPr>
+          <a:xfrm>
+            <a:off x="1024128" y="2813773"/>
+            <a:ext cx="1051046" cy="1051046"/>
+          </a:xfrm>
+        </p:spPr>
+      </p:pic>
+      <p:pic>
+        <p:nvPicPr>
+          <p:cNvPr id="10" name="Picture 9"/>
+          <p:cNvPicPr>
+            <a:picLocks noChangeAspect="1"/>
+          </p:cNvPicPr>
+          <p:nvPr/>
+        </p:nvPicPr>
+        <p:blipFill>
+          <a:blip r:embed="rId9">
+            <a:extLst>
+              <a:ext uri="{28A0092B-C50C-407E-A947-70E740481C1C}">
+                <a14:useLocalDpi xmlns:a14="http://schemas.microsoft.com/office/drawing/2010/main" val="0"/>
+              </a:ext>
+            </a:extLst>
+          </a:blip>
+          <a:stretch>
+            <a:fillRect/>
+          </a:stretch>
+        </p:blipFill>
+        <p:spPr>
+          <a:xfrm>
+            <a:off x="1024128" y="4593761"/>
+            <a:ext cx="2190750" cy="857250"/>
+          </a:xfrm>
+          <a:prstGeom prst="rect">
+            <a:avLst/>
+          </a:prstGeom>
+        </p:spPr>
+      </p:pic>
+      <p:sp>
+        <p:nvSpPr>
+          <p:cNvPr id="11" name="TextBox 10"/>
+          <p:cNvSpPr txBox="1"/>
+          <p:nvPr/>
+        </p:nvSpPr>
+        <p:spPr>
+          <a:xfrm>
+            <a:off x="3263154" y="4593761"/>
+            <a:ext cx="2268402" cy="923330"/>
+          </a:xfrm>
+          <a:prstGeom prst="rect">
+            <a:avLst/>
+          </a:prstGeom>
+          <a:noFill/>
+        </p:spPr>
+        <p:txBody>
+          <a:bodyPr wrap="square" rtlCol="0">
+            <a:spAutoFit/>
+          </a:bodyPr>
+          <a:lstStyle/>
+          <a:p>
+            <a:r>
+              <a:rPr lang="en-US" dirty="0" smtClean="0"/>
+              <a:t>And, thanks to the sponsor for this event, Community First</a:t>
+            </a:r>
+            <a:endParaRPr lang="en-US" dirty="0"/>
+          </a:p>
+        </p:txBody>
+      </p:sp>
+      <p:sp>
+        <p:nvSpPr>
+          <p:cNvPr id="12" name="TextBox 11"/>
+          <p:cNvSpPr txBox="1"/>
+          <p:nvPr/>
+        </p:nvSpPr>
+        <p:spPr>
+          <a:xfrm>
+            <a:off x="1024128" y="3859957"/>
+            <a:ext cx="1051046" cy="307777"/>
+          </a:xfrm>
+          <a:prstGeom prst="rect">
+            <a:avLst/>
+          </a:prstGeom>
+          <a:noFill/>
+        </p:spPr>
+        <p:txBody>
+          <a:bodyPr wrap="square" rtlCol="0">
+            <a:spAutoFit/>
+          </a:bodyPr>
+          <a:lstStyle/>
+          <a:p>
+            <a:pPr algn="ctr"/>
+            <a:r>
+              <a:rPr lang="en-US" sz="1400" b="1" dirty="0" smtClean="0"/>
+              <a:t>Mark Ewer</a:t>
+            </a:r>
+            <a:endParaRPr lang="en-US" sz="1400" b="1" dirty="0"/>
+          </a:p>
+        </p:txBody>
+      </p:sp>
+    </p:spTree>
+    <p:extLst>
+      <p:ext uri="{BB962C8B-B14F-4D97-AF65-F5344CB8AC3E}">
+        <p14:creationId xmlns:p14="http://schemas.microsoft.com/office/powerpoint/2010/main" val="2468617388"/>
+      </p:ext>
+    </p:extLst>
+  </p:cSld>
+  <p:clrMapOvr>
+    <a:masterClrMapping/>
+  </p:clrMapOvr>
+</p:sld>
+</file>
+
 <file path=ppt/slides/slide2.xml><?xml version="1.0" encoding="utf-8"?>
 <p:sld xmlns:a="http://schemas.openxmlformats.org/drawingml/2006/main" xmlns:r="http://schemas.openxmlformats.org/officeDocument/2006/relationships" xmlns:p="http://schemas.openxmlformats.org/presentationml/2006/main">
   <p:cSld>
@@ -14330,18 +14680,9 @@
           </a:p>
           <a:p>
             <a:r>
-              <a:rPr lang="en-US" smtClean="0"/>
-              <a:t>Phone: </a:t>
-            </a:r>
-            <a:r>
               <a:rPr lang="en-US" dirty="0" smtClean="0"/>
-              <a:t>(904</a:t>
-            </a:r>
-            <a:r>
-              <a:rPr lang="en-US" smtClean="0"/>
-              <a:t>) 238-7347</a:t>
-            </a:r>
-            <a:endParaRPr lang="en-US" dirty="0" smtClean="0"/>
+              <a:t>Phone: (904) 238-7347</a:t>
+            </a:r>
           </a:p>
         </p:txBody>
       </p:sp>

--- a/Akka_Sample/JaxDug_Presentation_Akka_Overview.pptx
+++ b/Akka_Sample/JaxDug_Presentation_Akka_Overview.pptx
@@ -2389,10 +2389,9 @@
         <a:lstStyle/>
         <a:p>
           <a:r>
-            <a:rPr lang="en-US" dirty="0" smtClean="0"/>
+            <a:rPr lang="en-US" dirty="0"/>
             <a:t>Sender 1</a:t>
           </a:r>
-          <a:endParaRPr lang="en-US" dirty="0"/>
         </a:p>
       </dgm:t>
     </dgm:pt>
@@ -2426,10 +2425,9 @@
         <a:lstStyle/>
         <a:p>
           <a:r>
-            <a:rPr lang="en-US" dirty="0" smtClean="0"/>
+            <a:rPr lang="en-US" dirty="0"/>
             <a:t>Sender 2</a:t>
           </a:r>
-          <a:endParaRPr lang="en-US" dirty="0"/>
         </a:p>
       </dgm:t>
     </dgm:pt>
@@ -2463,10 +2461,9 @@
         <a:lstStyle/>
         <a:p>
           <a:r>
-            <a:rPr lang="en-US" dirty="0" smtClean="0"/>
+            <a:rPr lang="en-US" dirty="0"/>
             <a:t>Actor’s Inbox</a:t>
           </a:r>
-          <a:endParaRPr lang="en-US" dirty="0"/>
         </a:p>
       </dgm:t>
     </dgm:pt>
@@ -2500,10 +2497,9 @@
         <a:lstStyle/>
         <a:p>
           <a:r>
-            <a:rPr lang="en-US" dirty="0" smtClean="0"/>
+            <a:rPr lang="en-US" dirty="0"/>
             <a:t>Sender N</a:t>
           </a:r>
-          <a:endParaRPr lang="en-US" dirty="0"/>
         </a:p>
       </dgm:t>
     </dgm:pt>
@@ -2537,13 +2533,6 @@
         </dgm:presLayoutVars>
       </dgm:prSet>
       <dgm:spPr/>
-      <dgm:t>
-        <a:bodyPr/>
-        <a:lstStyle/>
-        <a:p>
-          <a:endParaRPr lang="en-US"/>
-        </a:p>
-      </dgm:t>
     </dgm:pt>
     <dgm:pt modelId="{9D7B7721-931E-4AEB-8632-FE1800738E93}" type="pres">
       <dgm:prSet presAssocID="{00F44591-871C-464E-B361-A26376F823B2}" presName="ellipse" presStyleLbl="trBgShp" presStyleIdx="0" presStyleCnt="1"/>
@@ -2560,13 +2549,6 @@
         </dgm:presLayoutVars>
       </dgm:prSet>
       <dgm:spPr/>
-      <dgm:t>
-        <a:bodyPr/>
-        <a:lstStyle/>
-        <a:p>
-          <a:endParaRPr lang="en-US"/>
-        </a:p>
-      </dgm:t>
     </dgm:pt>
     <dgm:pt modelId="{F394FDA1-1FD5-484B-896D-267B48A457B3}" type="pres">
       <dgm:prSet presAssocID="{65BE1A4D-9E9A-45C2-96AC-AD783992EEF9}" presName="item1" presStyleLbl="node1" presStyleIdx="0" presStyleCnt="3">
@@ -2575,13 +2557,6 @@
         </dgm:presLayoutVars>
       </dgm:prSet>
       <dgm:spPr/>
-      <dgm:t>
-        <a:bodyPr/>
-        <a:lstStyle/>
-        <a:p>
-          <a:endParaRPr lang="en-US"/>
-        </a:p>
-      </dgm:t>
     </dgm:pt>
     <dgm:pt modelId="{959BFB83-A363-4D16-9B39-EAF824572374}" type="pres">
       <dgm:prSet presAssocID="{23B004A6-E074-44E0-962B-E93385657FBB}" presName="item2" presStyleLbl="node1" presStyleIdx="1" presStyleCnt="3">
@@ -2590,13 +2565,6 @@
         </dgm:presLayoutVars>
       </dgm:prSet>
       <dgm:spPr/>
-      <dgm:t>
-        <a:bodyPr/>
-        <a:lstStyle/>
-        <a:p>
-          <a:endParaRPr lang="en-US"/>
-        </a:p>
-      </dgm:t>
     </dgm:pt>
     <dgm:pt modelId="{8091EC72-D11E-416E-86C5-50B9EEDD6106}" type="pres">
       <dgm:prSet presAssocID="{C604DF57-78C7-4334-AC90-32E2885E81E6}" presName="item3" presStyleLbl="node1" presStyleIdx="2" presStyleCnt="3">
@@ -2605,13 +2573,6 @@
         </dgm:presLayoutVars>
       </dgm:prSet>
       <dgm:spPr/>
-      <dgm:t>
-        <a:bodyPr/>
-        <a:lstStyle/>
-        <a:p>
-          <a:endParaRPr lang="en-US"/>
-        </a:p>
-      </dgm:t>
     </dgm:pt>
     <dgm:pt modelId="{518A89B1-3E59-430D-8C0B-5A0448D5C402}" type="pres">
       <dgm:prSet presAssocID="{00F44591-871C-464E-B361-A26376F823B2}" presName="funnel" presStyleLbl="trAlignAcc1" presStyleIdx="0" presStyleCnt="1"/>
@@ -2619,15 +2580,15 @@
     </dgm:pt>
   </dgm:ptLst>
   <dgm:cxnLst>
-    <dgm:cxn modelId="{4EC89FEF-B3D9-4949-8016-0417A499D523}" type="presOf" srcId="{C604DF57-78C7-4334-AC90-32E2885E81E6}" destId="{EDB189B0-AABB-49D2-B9AF-C041461F624A}" srcOrd="0" destOrd="0" presId="urn:microsoft.com/office/officeart/2005/8/layout/funnel1"/>
+    <dgm:cxn modelId="{5F84D31A-2B96-4BDD-BECF-CC4DF228B45C}" type="presOf" srcId="{65BE1A4D-9E9A-45C2-96AC-AD783992EEF9}" destId="{959BFB83-A363-4D16-9B39-EAF824572374}" srcOrd="0" destOrd="0" presId="urn:microsoft.com/office/officeart/2005/8/layout/funnel1"/>
+    <dgm:cxn modelId="{FE6F8224-7CFB-46D6-A471-EC171E0FBECB}" srcId="{00F44591-871C-464E-B361-A26376F823B2}" destId="{C604DF57-78C7-4334-AC90-32E2885E81E6}" srcOrd="3" destOrd="0" parTransId="{03828C77-D95F-4DA7-B0D9-2C7904662B9D}" sibTransId="{6BA11027-B753-444A-9213-CAEE44428C16}"/>
+    <dgm:cxn modelId="{F02F8B2D-BB3B-4B58-BF66-463B8232105A}" srcId="{00F44591-871C-464E-B361-A26376F823B2}" destId="{23B004A6-E074-44E0-962B-E93385657FBB}" srcOrd="2" destOrd="0" parTransId="{B4C23972-9BD3-448B-A2D9-64C5FE4236D3}" sibTransId="{0CA78ECF-3B5A-449D-80EE-30BCD6961BD7}"/>
     <dgm:cxn modelId="{BAE0B832-5A69-4081-8250-12F78BCBA73E}" srcId="{00F44591-871C-464E-B361-A26376F823B2}" destId="{FCDB9B48-1F81-4AD0-836C-86BE6CC7DA73}" srcOrd="0" destOrd="0" parTransId="{02F0A402-5011-4226-8E4F-BC4391157ED2}" sibTransId="{9F3FB8AA-E157-46A7-A767-25363CF2ECC6}"/>
+    <dgm:cxn modelId="{F047334F-E70C-4CD5-964C-E730BF0F767A}" type="presOf" srcId="{00F44591-871C-464E-B361-A26376F823B2}" destId="{C346DBE2-F6A0-498E-A0F8-AFB51C61CBC6}" srcOrd="0" destOrd="0" presId="urn:microsoft.com/office/officeart/2005/8/layout/funnel1"/>
+    <dgm:cxn modelId="{F187FF91-D34C-42DA-81C6-48C33B85C10F}" type="presOf" srcId="{FCDB9B48-1F81-4AD0-836C-86BE6CC7DA73}" destId="{8091EC72-D11E-416E-86C5-50B9EEDD6106}" srcOrd="0" destOrd="0" presId="urn:microsoft.com/office/officeart/2005/8/layout/funnel1"/>
     <dgm:cxn modelId="{3B0CD098-9F35-4A8A-BD9E-14A1183FA78D}" type="presOf" srcId="{23B004A6-E074-44E0-962B-E93385657FBB}" destId="{F394FDA1-1FD5-484B-896D-267B48A457B3}" srcOrd="0" destOrd="0" presId="urn:microsoft.com/office/officeart/2005/8/layout/funnel1"/>
     <dgm:cxn modelId="{15EE2FAC-C23B-400D-A23B-F586C0580F9B}" srcId="{00F44591-871C-464E-B361-A26376F823B2}" destId="{65BE1A4D-9E9A-45C2-96AC-AD783992EEF9}" srcOrd="1" destOrd="0" parTransId="{E84A9245-3E4D-4AC7-B160-C3B788C4922B}" sibTransId="{CB8F2D18-F3EB-4DA0-9477-34DF604B5DB8}"/>
-    <dgm:cxn modelId="{F187FF91-D34C-42DA-81C6-48C33B85C10F}" type="presOf" srcId="{FCDB9B48-1F81-4AD0-836C-86BE6CC7DA73}" destId="{8091EC72-D11E-416E-86C5-50B9EEDD6106}" srcOrd="0" destOrd="0" presId="urn:microsoft.com/office/officeart/2005/8/layout/funnel1"/>
-    <dgm:cxn modelId="{F02F8B2D-BB3B-4B58-BF66-463B8232105A}" srcId="{00F44591-871C-464E-B361-A26376F823B2}" destId="{23B004A6-E074-44E0-962B-E93385657FBB}" srcOrd="2" destOrd="0" parTransId="{B4C23972-9BD3-448B-A2D9-64C5FE4236D3}" sibTransId="{0CA78ECF-3B5A-449D-80EE-30BCD6961BD7}"/>
-    <dgm:cxn modelId="{F047334F-E70C-4CD5-964C-E730BF0F767A}" type="presOf" srcId="{00F44591-871C-464E-B361-A26376F823B2}" destId="{C346DBE2-F6A0-498E-A0F8-AFB51C61CBC6}" srcOrd="0" destOrd="0" presId="urn:microsoft.com/office/officeart/2005/8/layout/funnel1"/>
-    <dgm:cxn modelId="{FE6F8224-7CFB-46D6-A471-EC171E0FBECB}" srcId="{00F44591-871C-464E-B361-A26376F823B2}" destId="{C604DF57-78C7-4334-AC90-32E2885E81E6}" srcOrd="3" destOrd="0" parTransId="{03828C77-D95F-4DA7-B0D9-2C7904662B9D}" sibTransId="{6BA11027-B753-444A-9213-CAEE44428C16}"/>
-    <dgm:cxn modelId="{5F84D31A-2B96-4BDD-BECF-CC4DF228B45C}" type="presOf" srcId="{65BE1A4D-9E9A-45C2-96AC-AD783992EEF9}" destId="{959BFB83-A363-4D16-9B39-EAF824572374}" srcOrd="0" destOrd="0" presId="urn:microsoft.com/office/officeart/2005/8/layout/funnel1"/>
+    <dgm:cxn modelId="{4EC89FEF-B3D9-4949-8016-0417A499D523}" type="presOf" srcId="{C604DF57-78C7-4334-AC90-32E2885E81E6}" destId="{EDB189B0-AABB-49D2-B9AF-C041461F624A}" srcOrd="0" destOrd="0" presId="urn:microsoft.com/office/officeart/2005/8/layout/funnel1"/>
     <dgm:cxn modelId="{B7E7A34E-E043-4621-97CF-C9CC162D90B9}" type="presParOf" srcId="{C346DBE2-F6A0-498E-A0F8-AFB51C61CBC6}" destId="{9D7B7721-931E-4AEB-8632-FE1800738E93}" srcOrd="0" destOrd="0" presId="urn:microsoft.com/office/officeart/2005/8/layout/funnel1"/>
     <dgm:cxn modelId="{17757319-2A5C-49A3-B0AA-45450FF00AAF}" type="presParOf" srcId="{C346DBE2-F6A0-498E-A0F8-AFB51C61CBC6}" destId="{3B306AD2-8E20-4454-ABBB-1B3EB686C743}" srcOrd="1" destOrd="0" presId="urn:microsoft.com/office/officeart/2005/8/layout/funnel1"/>
     <dgm:cxn modelId="{17E36F40-F7FD-4EB7-B5CC-FE711CDFA38C}" type="presParOf" srcId="{C346DBE2-F6A0-498E-A0F8-AFB51C61CBC6}" destId="{EDB189B0-AABB-49D2-B9AF-C041461F624A}" srcOrd="2" destOrd="0" presId="urn:microsoft.com/office/officeart/2005/8/layout/funnel1"/>
@@ -2661,10 +2622,9 @@
         <a:lstStyle/>
         <a:p>
           <a:r>
-            <a:rPr lang="en-US" dirty="0" smtClean="0"/>
+            <a:rPr lang="en-US" dirty="0"/>
             <a:t>Message N</a:t>
           </a:r>
-          <a:endParaRPr lang="en-US" dirty="0"/>
         </a:p>
       </dgm:t>
     </dgm:pt>
@@ -2698,10 +2658,9 @@
         <a:lstStyle/>
         <a:p>
           <a:r>
-            <a:rPr lang="en-US" dirty="0" smtClean="0"/>
+            <a:rPr lang="en-US" dirty="0"/>
             <a:t>Actor</a:t>
           </a:r>
-          <a:endParaRPr lang="en-US" dirty="0"/>
         </a:p>
       </dgm:t>
     </dgm:pt>
@@ -2735,10 +2694,9 @@
         <a:lstStyle/>
         <a:p>
           <a:r>
-            <a:rPr lang="en-US" dirty="0" smtClean="0"/>
+            <a:rPr lang="en-US" dirty="0"/>
             <a:t>Message 2</a:t>
           </a:r>
-          <a:endParaRPr lang="en-US" dirty="0"/>
         </a:p>
       </dgm:t>
     </dgm:pt>
@@ -2772,10 +2730,9 @@
         <a:lstStyle/>
         <a:p>
           <a:r>
-            <a:rPr lang="en-US" dirty="0" smtClean="0"/>
+            <a:rPr lang="en-US" dirty="0"/>
             <a:t>Message 1</a:t>
           </a:r>
-          <a:endParaRPr lang="en-US" dirty="0"/>
         </a:p>
       </dgm:t>
     </dgm:pt>
@@ -2820,13 +2777,6 @@
         </dgm:presLayoutVars>
       </dgm:prSet>
       <dgm:spPr/>
-      <dgm:t>
-        <a:bodyPr/>
-        <a:lstStyle/>
-        <a:p>
-          <a:endParaRPr lang="en-US"/>
-        </a:p>
-      </dgm:t>
     </dgm:pt>
     <dgm:pt modelId="{445DAF35-441F-44E5-BBBC-F704150BE806}" type="pres">
       <dgm:prSet presAssocID="{668953F5-2675-42B5-8848-FA1803689E03}" presName="parTxOnlySpace" presStyleCnt="0"/>
@@ -2841,13 +2791,6 @@
         </dgm:presLayoutVars>
       </dgm:prSet>
       <dgm:spPr/>
-      <dgm:t>
-        <a:bodyPr/>
-        <a:lstStyle/>
-        <a:p>
-          <a:endParaRPr lang="en-US"/>
-        </a:p>
-      </dgm:t>
     </dgm:pt>
     <dgm:pt modelId="{7CF6E18B-2D5A-4852-886D-DEE5B5CA0EBB}" type="pres">
       <dgm:prSet presAssocID="{9A25B2A9-9851-4F4D-BD33-74E815D77B01}" presName="parTxOnlySpace" presStyleCnt="0"/>
@@ -2862,13 +2805,6 @@
         </dgm:presLayoutVars>
       </dgm:prSet>
       <dgm:spPr/>
-      <dgm:t>
-        <a:bodyPr/>
-        <a:lstStyle/>
-        <a:p>
-          <a:endParaRPr lang="en-US"/>
-        </a:p>
-      </dgm:t>
     </dgm:pt>
     <dgm:pt modelId="{521E5FB5-D3AF-4C6B-B3AF-2CEF1B836585}" type="pres">
       <dgm:prSet presAssocID="{A088DE78-B1B7-4983-9684-E5A4507C9550}" presName="parTxOnlySpace" presStyleCnt="0"/>
@@ -2887,25 +2823,18 @@
           <a:avLst/>
         </a:prstGeom>
       </dgm:spPr>
-      <dgm:t>
-        <a:bodyPr/>
-        <a:lstStyle/>
-        <a:p>
-          <a:endParaRPr lang="en-US"/>
-        </a:p>
-      </dgm:t>
     </dgm:pt>
   </dgm:ptLst>
   <dgm:cxnLst>
     <dgm:cxn modelId="{1D33190A-9D79-4061-B537-C90E217D5E07}" srcId="{68ED6701-F2C1-4831-A84A-326EC36CD005}" destId="{5107B1F1-C518-4E5D-9673-57F60CC25F6E}" srcOrd="0" destOrd="0" parTransId="{F1895B6A-C686-4587-B27F-9E66051F4E5C}" sibTransId="{668953F5-2675-42B5-8848-FA1803689E03}"/>
+    <dgm:cxn modelId="{05F2440F-D61F-4C54-A573-33B3543D2FD7}" srcId="{68ED6701-F2C1-4831-A84A-326EC36CD005}" destId="{6EFFCAF6-6CD1-4AA9-926F-8E1B9B5472A8}" srcOrd="2" destOrd="0" parTransId="{6BFAA1ED-0951-4BE7-B7F1-7A3200390156}" sibTransId="{A088DE78-B1B7-4983-9684-E5A4507C9550}"/>
     <dgm:cxn modelId="{908D0720-CEE6-475D-A45E-7A55D21022ED}" srcId="{68ED6701-F2C1-4831-A84A-326EC36CD005}" destId="{C371D428-38B4-4979-95EB-8CCA5AAD78B4}" srcOrd="1" destOrd="0" parTransId="{34EC3EEF-FC10-446B-9935-A8AF8E08F2C9}" sibTransId="{9A25B2A9-9851-4F4D-BD33-74E815D77B01}"/>
-    <dgm:cxn modelId="{741D12F4-1645-4B4A-AA5B-E1975C6FFB0D}" type="presOf" srcId="{68ED6701-F2C1-4831-A84A-326EC36CD005}" destId="{F7317081-69DA-4E53-BF9A-D6FBEA185DEF}" srcOrd="0" destOrd="0" presId="urn:microsoft.com/office/officeart/2005/8/layout/chevron1"/>
+    <dgm:cxn modelId="{1BBF6D24-8FDE-4B0B-AC8F-6AD9F0160C96}" srcId="{68ED6701-F2C1-4831-A84A-326EC36CD005}" destId="{D293EDC2-2D2E-426B-90A6-64D21CE0A90E}" srcOrd="3" destOrd="0" parTransId="{61092435-EE40-4D1A-95C8-FB0BA77232B4}" sibTransId="{86681E38-670D-48F2-9F99-6A7DB92C3BCE}"/>
     <dgm:cxn modelId="{7D508146-0F9B-4F37-80E5-59A28C7413D6}" type="presOf" srcId="{D293EDC2-2D2E-426B-90A6-64D21CE0A90E}" destId="{00121331-64DF-404E-89E3-46F064283EAB}" srcOrd="0" destOrd="0" presId="urn:microsoft.com/office/officeart/2005/8/layout/chevron1"/>
     <dgm:cxn modelId="{1C7A5B59-E80C-4053-8E4F-04E541C7AADF}" type="presOf" srcId="{6EFFCAF6-6CD1-4AA9-926F-8E1B9B5472A8}" destId="{F6EDDB37-7DA4-48B0-BFB9-3CCA533E532E}" srcOrd="0" destOrd="0" presId="urn:microsoft.com/office/officeart/2005/8/layout/chevron1"/>
     <dgm:cxn modelId="{395E37B2-E641-40BD-9122-1D570A45B36C}" type="presOf" srcId="{5107B1F1-C518-4E5D-9673-57F60CC25F6E}" destId="{172F4C18-0C14-4969-BA69-6CD2F9400E94}" srcOrd="0" destOrd="0" presId="urn:microsoft.com/office/officeart/2005/8/layout/chevron1"/>
     <dgm:cxn modelId="{52FCFFC6-782B-45A9-A1A4-18C1E41E2FFF}" type="presOf" srcId="{C371D428-38B4-4979-95EB-8CCA5AAD78B4}" destId="{60FA5048-5EC4-4D91-A6BB-F5611FA4E870}" srcOrd="0" destOrd="0" presId="urn:microsoft.com/office/officeart/2005/8/layout/chevron1"/>
-    <dgm:cxn modelId="{1BBF6D24-8FDE-4B0B-AC8F-6AD9F0160C96}" srcId="{68ED6701-F2C1-4831-A84A-326EC36CD005}" destId="{D293EDC2-2D2E-426B-90A6-64D21CE0A90E}" srcOrd="3" destOrd="0" parTransId="{61092435-EE40-4D1A-95C8-FB0BA77232B4}" sibTransId="{86681E38-670D-48F2-9F99-6A7DB92C3BCE}"/>
-    <dgm:cxn modelId="{05F2440F-D61F-4C54-A573-33B3543D2FD7}" srcId="{68ED6701-F2C1-4831-A84A-326EC36CD005}" destId="{6EFFCAF6-6CD1-4AA9-926F-8E1B9B5472A8}" srcOrd="2" destOrd="0" parTransId="{6BFAA1ED-0951-4BE7-B7F1-7A3200390156}" sibTransId="{A088DE78-B1B7-4983-9684-E5A4507C9550}"/>
+    <dgm:cxn modelId="{741D12F4-1645-4B4A-AA5B-E1975C6FFB0D}" type="presOf" srcId="{68ED6701-F2C1-4831-A84A-326EC36CD005}" destId="{F7317081-69DA-4E53-BF9A-D6FBEA185DEF}" srcOrd="0" destOrd="0" presId="urn:microsoft.com/office/officeart/2005/8/layout/chevron1"/>
     <dgm:cxn modelId="{895C5D80-B081-430D-B327-5B75A113CC2D}" type="presParOf" srcId="{F7317081-69DA-4E53-BF9A-D6FBEA185DEF}" destId="{172F4C18-0C14-4969-BA69-6CD2F9400E94}" srcOrd="0" destOrd="0" presId="urn:microsoft.com/office/officeart/2005/8/layout/chevron1"/>
     <dgm:cxn modelId="{634435E8-CCAD-448B-A20B-7FBB00FE4C42}" type="presParOf" srcId="{F7317081-69DA-4E53-BF9A-D6FBEA185DEF}" destId="{445DAF35-441F-44E5-BBBC-F704150BE806}" srcOrd="1" destOrd="0" presId="urn:microsoft.com/office/officeart/2005/8/layout/chevron1"/>
     <dgm:cxn modelId="{E48CAC68-CDA3-453A-815F-257D4760F4D3}" type="presParOf" srcId="{F7317081-69DA-4E53-BF9A-D6FBEA185DEF}" destId="{60FA5048-5EC4-4D91-A6BB-F5611FA4E870}" srcOrd="2" destOrd="0" presId="urn:microsoft.com/office/officeart/2005/8/layout/chevron1"/>
@@ -2950,10 +2879,9 @@
         <a:lstStyle/>
         <a:p>
           <a:r>
-            <a:rPr lang="en-US" dirty="0" smtClean="0"/>
+            <a:rPr lang="en-US" dirty="0"/>
             <a:t>Root</a:t>
           </a:r>
-          <a:endParaRPr lang="en-US" dirty="0"/>
         </a:p>
       </dgm:t>
     </dgm:pt>
@@ -2991,10 +2919,9 @@
         <a:lstStyle/>
         <a:p>
           <a:r>
-            <a:rPr lang="en-US" dirty="0" smtClean="0"/>
+            <a:rPr lang="en-US" dirty="0"/>
             <a:t>User</a:t>
           </a:r>
-          <a:endParaRPr lang="en-US" dirty="0"/>
         </a:p>
       </dgm:t>
     </dgm:pt>
@@ -3028,10 +2955,9 @@
         <a:lstStyle/>
         <a:p>
           <a:r>
-            <a:rPr lang="en-US" dirty="0" smtClean="0"/>
+            <a:rPr lang="en-US" dirty="0"/>
             <a:t>Top Actor</a:t>
           </a:r>
-          <a:endParaRPr lang="en-US" dirty="0"/>
         </a:p>
       </dgm:t>
     </dgm:pt>
@@ -3065,10 +2991,9 @@
         <a:lstStyle/>
         <a:p>
           <a:r>
-            <a:rPr lang="en-US" dirty="0" smtClean="0"/>
+            <a:rPr lang="en-US" dirty="0"/>
             <a:t>Other Top</a:t>
           </a:r>
-          <a:endParaRPr lang="en-US" dirty="0"/>
         </a:p>
       </dgm:t>
     </dgm:pt>
@@ -3106,10 +3031,9 @@
         <a:lstStyle/>
         <a:p>
           <a:r>
-            <a:rPr lang="en-US" dirty="0" smtClean="0"/>
+            <a:rPr lang="en-US" dirty="0"/>
             <a:t>System</a:t>
           </a:r>
-          <a:endParaRPr lang="en-US" dirty="0"/>
         </a:p>
       </dgm:t>
     </dgm:pt>
@@ -3147,10 +3071,9 @@
         <a:lstStyle/>
         <a:p>
           <a:r>
-            <a:rPr lang="en-US" dirty="0" smtClean="0"/>
+            <a:rPr lang="en-US" dirty="0"/>
             <a:t>Scheduler</a:t>
           </a:r>
-          <a:endParaRPr lang="en-US" dirty="0"/>
         </a:p>
       </dgm:t>
     </dgm:pt>
@@ -3188,10 +3111,9 @@
         <a:lstStyle/>
         <a:p>
           <a:r>
-            <a:rPr lang="en-US" dirty="0" smtClean="0"/>
+            <a:rPr lang="en-US" dirty="0"/>
             <a:t>Others</a:t>
           </a:r>
-          <a:endParaRPr lang="en-US" dirty="0"/>
         </a:p>
       </dgm:t>
     </dgm:pt>
@@ -3225,10 +3147,9 @@
         <a:lstStyle/>
         <a:p>
           <a:r>
-            <a:rPr lang="en-US" dirty="0" smtClean="0"/>
+            <a:rPr lang="en-US" dirty="0"/>
             <a:t>Child 1</a:t>
           </a:r>
-          <a:endParaRPr lang="en-US" dirty="0"/>
         </a:p>
       </dgm:t>
     </dgm:pt>
@@ -3262,10 +3183,9 @@
         <a:lstStyle/>
         <a:p>
           <a:r>
-            <a:rPr lang="en-US" dirty="0" smtClean="0"/>
+            <a:rPr lang="en-US" dirty="0"/>
             <a:t>Child 2</a:t>
           </a:r>
-          <a:endParaRPr lang="en-US" dirty="0"/>
         </a:p>
       </dgm:t>
     </dgm:pt>
@@ -3299,10 +3219,9 @@
         <a:lstStyle/>
         <a:p>
           <a:r>
-            <a:rPr lang="en-US" dirty="0" smtClean="0"/>
+            <a:rPr lang="en-US" dirty="0"/>
             <a:t>Sub 1</a:t>
           </a:r>
-          <a:endParaRPr lang="en-US" dirty="0"/>
         </a:p>
       </dgm:t>
     </dgm:pt>
@@ -3336,10 +3255,9 @@
         <a:lstStyle/>
         <a:p>
           <a:r>
-            <a:rPr lang="en-US" dirty="0" smtClean="0"/>
+            <a:rPr lang="en-US" dirty="0"/>
             <a:t>Sub 2</a:t>
           </a:r>
-          <a:endParaRPr lang="en-US" dirty="0"/>
         </a:p>
       </dgm:t>
     </dgm:pt>
@@ -3376,13 +3294,6 @@
         </dgm:presLayoutVars>
       </dgm:prSet>
       <dgm:spPr/>
-      <dgm:t>
-        <a:bodyPr/>
-        <a:lstStyle/>
-        <a:p>
-          <a:endParaRPr lang="en-US"/>
-        </a:p>
-      </dgm:t>
     </dgm:pt>
     <dgm:pt modelId="{2D310E36-02E5-4971-B7A7-AB3C865BBF4A}" type="pres">
       <dgm:prSet presAssocID="{D635EE81-8A26-46BF-AA6E-946C74A63BB5}" presName="hierFlow" presStyleCnt="0"/>
@@ -3409,13 +3320,6 @@
         </dgm:presLayoutVars>
       </dgm:prSet>
       <dgm:spPr/>
-      <dgm:t>
-        <a:bodyPr/>
-        <a:lstStyle/>
-        <a:p>
-          <a:endParaRPr lang="en-US"/>
-        </a:p>
-      </dgm:t>
     </dgm:pt>
     <dgm:pt modelId="{BB2B2392-C898-48F5-9718-E9CBD6A8B503}" type="pres">
       <dgm:prSet presAssocID="{EC3625F7-7BB4-43ED-9CD6-92FEC6920C5E}" presName="hierChild2" presStyleCnt="0"/>
@@ -3424,13 +3328,6 @@
     <dgm:pt modelId="{B3ECF69D-AF74-4A68-AD62-E568752629C7}" type="pres">
       <dgm:prSet presAssocID="{B92EE821-15E1-4B85-808B-B53B41434F0C}" presName="Name19" presStyleLbl="parChTrans1D2" presStyleIdx="0" presStyleCnt="2"/>
       <dgm:spPr/>
-      <dgm:t>
-        <a:bodyPr/>
-        <a:lstStyle/>
-        <a:p>
-          <a:endParaRPr lang="en-US"/>
-        </a:p>
-      </dgm:t>
     </dgm:pt>
     <dgm:pt modelId="{776EA1FB-EFDC-4021-855A-35FD3B962ECA}" type="pres">
       <dgm:prSet presAssocID="{69E08A36-A4C0-40B9-A98D-56FD2D12204A}" presName="Name21" presStyleCnt="0"/>
@@ -3439,13 +3336,6 @@
     <dgm:pt modelId="{4AC25751-7E88-4626-8854-1E0945DB6423}" type="pres">
       <dgm:prSet presAssocID="{69E08A36-A4C0-40B9-A98D-56FD2D12204A}" presName="level2Shape" presStyleLbl="node2" presStyleIdx="0" presStyleCnt="2"/>
       <dgm:spPr/>
-      <dgm:t>
-        <a:bodyPr/>
-        <a:lstStyle/>
-        <a:p>
-          <a:endParaRPr lang="en-US"/>
-        </a:p>
-      </dgm:t>
     </dgm:pt>
     <dgm:pt modelId="{B6BF7C1A-2C37-4B10-A660-8D6B12B6306C}" type="pres">
       <dgm:prSet presAssocID="{69E08A36-A4C0-40B9-A98D-56FD2D12204A}" presName="hierChild3" presStyleCnt="0"/>
@@ -3454,13 +3344,6 @@
     <dgm:pt modelId="{F28D6372-D6EA-40F3-B41E-8757A5AE1FFC}" type="pres">
       <dgm:prSet presAssocID="{AD958C20-A51E-42CB-AF12-CA1C79FD2D09}" presName="Name19" presStyleLbl="parChTrans1D3" presStyleIdx="0" presStyleCnt="4"/>
       <dgm:spPr/>
-      <dgm:t>
-        <a:bodyPr/>
-        <a:lstStyle/>
-        <a:p>
-          <a:endParaRPr lang="en-US"/>
-        </a:p>
-      </dgm:t>
     </dgm:pt>
     <dgm:pt modelId="{BC25C4B9-276D-4D1C-8C4A-C5BDBF622349}" type="pres">
       <dgm:prSet presAssocID="{87E6287E-CEFA-44CE-97AB-31F7C4913FE1}" presName="Name21" presStyleCnt="0"/>
@@ -3469,13 +3352,6 @@
     <dgm:pt modelId="{C7BA26C8-7733-46F2-8553-DA90109C2447}" type="pres">
       <dgm:prSet presAssocID="{87E6287E-CEFA-44CE-97AB-31F7C4913FE1}" presName="level2Shape" presStyleLbl="node3" presStyleIdx="0" presStyleCnt="4"/>
       <dgm:spPr/>
-      <dgm:t>
-        <a:bodyPr/>
-        <a:lstStyle/>
-        <a:p>
-          <a:endParaRPr lang="en-US"/>
-        </a:p>
-      </dgm:t>
     </dgm:pt>
     <dgm:pt modelId="{F80798B2-A02E-4EDD-A30C-CBD6B03E68B1}" type="pres">
       <dgm:prSet presAssocID="{87E6287E-CEFA-44CE-97AB-31F7C4913FE1}" presName="hierChild3" presStyleCnt="0"/>
@@ -3484,13 +3360,6 @@
     <dgm:pt modelId="{37838389-EEE5-4901-B70F-5422CFBDC7F2}" type="pres">
       <dgm:prSet presAssocID="{18C1AFA2-4506-406F-B2C1-AED8AB02DD1F}" presName="Name19" presStyleLbl="parChTrans1D4" presStyleIdx="0" presStyleCnt="4"/>
       <dgm:spPr/>
-      <dgm:t>
-        <a:bodyPr/>
-        <a:lstStyle/>
-        <a:p>
-          <a:endParaRPr lang="en-US"/>
-        </a:p>
-      </dgm:t>
     </dgm:pt>
     <dgm:pt modelId="{0B3147D5-48EE-4607-B4F6-8C7B0AFA7B7C}" type="pres">
       <dgm:prSet presAssocID="{68ADF712-24F3-43A2-9F3F-2132B291EC5D}" presName="Name21" presStyleCnt="0"/>
@@ -3499,13 +3368,6 @@
     <dgm:pt modelId="{E5D0FE39-804F-4EC9-B2FB-8B97CF2CE7F2}" type="pres">
       <dgm:prSet presAssocID="{68ADF712-24F3-43A2-9F3F-2132B291EC5D}" presName="level2Shape" presStyleLbl="node4" presStyleIdx="0" presStyleCnt="4"/>
       <dgm:spPr/>
-      <dgm:t>
-        <a:bodyPr/>
-        <a:lstStyle/>
-        <a:p>
-          <a:endParaRPr lang="en-US"/>
-        </a:p>
-      </dgm:t>
     </dgm:pt>
     <dgm:pt modelId="{A9326BB4-A43C-426C-A629-D3ABED44E8A1}" type="pres">
       <dgm:prSet presAssocID="{68ADF712-24F3-43A2-9F3F-2132B291EC5D}" presName="hierChild3" presStyleCnt="0"/>
@@ -3514,13 +3376,6 @@
     <dgm:pt modelId="{B5F8F36F-33C4-4887-B24C-F4F21B315B5E}" type="pres">
       <dgm:prSet presAssocID="{302BADE8-2864-4A68-8A1E-B67D205D4699}" presName="Name19" presStyleLbl="parChTrans1D4" presStyleIdx="1" presStyleCnt="4"/>
       <dgm:spPr/>
-      <dgm:t>
-        <a:bodyPr/>
-        <a:lstStyle/>
-        <a:p>
-          <a:endParaRPr lang="en-US"/>
-        </a:p>
-      </dgm:t>
     </dgm:pt>
     <dgm:pt modelId="{98B38B88-3BD9-42A0-B619-6347E6CBED89}" type="pres">
       <dgm:prSet presAssocID="{6E7A92D0-318F-45B7-8F6C-069D848B2CD7}" presName="Name21" presStyleCnt="0"/>
@@ -3529,13 +3384,6 @@
     <dgm:pt modelId="{17218648-C4C3-44DC-8589-32ED8A1DC2B1}" type="pres">
       <dgm:prSet presAssocID="{6E7A92D0-318F-45B7-8F6C-069D848B2CD7}" presName="level2Shape" presStyleLbl="node4" presStyleIdx="1" presStyleCnt="4"/>
       <dgm:spPr/>
-      <dgm:t>
-        <a:bodyPr/>
-        <a:lstStyle/>
-        <a:p>
-          <a:endParaRPr lang="en-US"/>
-        </a:p>
-      </dgm:t>
     </dgm:pt>
     <dgm:pt modelId="{209282D7-0765-4DFD-BB7E-BFBE42CB9EF5}" type="pres">
       <dgm:prSet presAssocID="{6E7A92D0-318F-45B7-8F6C-069D848B2CD7}" presName="hierChild3" presStyleCnt="0"/>
@@ -3544,13 +3392,6 @@
     <dgm:pt modelId="{200D009E-BE7C-47F8-8061-CA98DD294206}" type="pres">
       <dgm:prSet presAssocID="{09A60F99-351F-48AD-B073-0D29B339D80A}" presName="Name19" presStyleLbl="parChTrans1D3" presStyleIdx="1" presStyleCnt="4"/>
       <dgm:spPr/>
-      <dgm:t>
-        <a:bodyPr/>
-        <a:lstStyle/>
-        <a:p>
-          <a:endParaRPr lang="en-US"/>
-        </a:p>
-      </dgm:t>
     </dgm:pt>
     <dgm:pt modelId="{F54851E2-8DAD-48BE-9DA8-6611F9F47AF5}" type="pres">
       <dgm:prSet presAssocID="{21E92C4B-0BDF-4AE9-8169-91564FF2CE53}" presName="Name21" presStyleCnt="0"/>
@@ -3559,13 +3400,6 @@
     <dgm:pt modelId="{2CADC89F-C286-48B1-9065-D958B8383627}" type="pres">
       <dgm:prSet presAssocID="{21E92C4B-0BDF-4AE9-8169-91564FF2CE53}" presName="level2Shape" presStyleLbl="node3" presStyleIdx="1" presStyleCnt="4"/>
       <dgm:spPr/>
-      <dgm:t>
-        <a:bodyPr/>
-        <a:lstStyle/>
-        <a:p>
-          <a:endParaRPr lang="en-US"/>
-        </a:p>
-      </dgm:t>
     </dgm:pt>
     <dgm:pt modelId="{99B9F3DE-61BE-4FE0-8935-090A216596B0}" type="pres">
       <dgm:prSet presAssocID="{21E92C4B-0BDF-4AE9-8169-91564FF2CE53}" presName="hierChild3" presStyleCnt="0"/>
@@ -3574,13 +3408,6 @@
     <dgm:pt modelId="{0336AD5A-E7A2-4D5C-B2FA-CFE78A3D9199}" type="pres">
       <dgm:prSet presAssocID="{98F75255-8CF6-4D85-925B-6363212BB8E3}" presName="Name19" presStyleLbl="parChTrans1D4" presStyleIdx="2" presStyleCnt="4"/>
       <dgm:spPr/>
-      <dgm:t>
-        <a:bodyPr/>
-        <a:lstStyle/>
-        <a:p>
-          <a:endParaRPr lang="en-US"/>
-        </a:p>
-      </dgm:t>
     </dgm:pt>
     <dgm:pt modelId="{FD6F3CEA-C258-4188-B596-28978958058F}" type="pres">
       <dgm:prSet presAssocID="{E18905D7-9D6D-4D43-96BA-11999E3C4FCE}" presName="Name21" presStyleCnt="0"/>
@@ -3589,13 +3416,6 @@
     <dgm:pt modelId="{E8301E69-E78B-4F37-8FB4-43F0791657EE}" type="pres">
       <dgm:prSet presAssocID="{E18905D7-9D6D-4D43-96BA-11999E3C4FCE}" presName="level2Shape" presStyleLbl="node4" presStyleIdx="2" presStyleCnt="4"/>
       <dgm:spPr/>
-      <dgm:t>
-        <a:bodyPr/>
-        <a:lstStyle/>
-        <a:p>
-          <a:endParaRPr lang="en-US"/>
-        </a:p>
-      </dgm:t>
     </dgm:pt>
     <dgm:pt modelId="{DE825D7C-0D9F-48A5-8F46-1EA7E455A4F8}" type="pres">
       <dgm:prSet presAssocID="{E18905D7-9D6D-4D43-96BA-11999E3C4FCE}" presName="hierChild3" presStyleCnt="0"/>
@@ -3604,13 +3424,6 @@
     <dgm:pt modelId="{B7798B10-726E-4303-A6E0-24787804CC7F}" type="pres">
       <dgm:prSet presAssocID="{F651869F-C470-4D3E-AC32-F5F45C30BA7B}" presName="Name19" presStyleLbl="parChTrans1D4" presStyleIdx="3" presStyleCnt="4"/>
       <dgm:spPr/>
-      <dgm:t>
-        <a:bodyPr/>
-        <a:lstStyle/>
-        <a:p>
-          <a:endParaRPr lang="en-US"/>
-        </a:p>
-      </dgm:t>
     </dgm:pt>
     <dgm:pt modelId="{1D092A20-CDF4-4D98-93E6-5F012292C170}" type="pres">
       <dgm:prSet presAssocID="{61280F78-FDAC-48D3-950B-F3C8AF185F20}" presName="Name21" presStyleCnt="0"/>
@@ -3619,13 +3432,6 @@
     <dgm:pt modelId="{7EEDFE65-5375-4163-A127-CD40B8F60ABD}" type="pres">
       <dgm:prSet presAssocID="{61280F78-FDAC-48D3-950B-F3C8AF185F20}" presName="level2Shape" presStyleLbl="node4" presStyleIdx="3" presStyleCnt="4"/>
       <dgm:spPr/>
-      <dgm:t>
-        <a:bodyPr/>
-        <a:lstStyle/>
-        <a:p>
-          <a:endParaRPr lang="en-US"/>
-        </a:p>
-      </dgm:t>
     </dgm:pt>
     <dgm:pt modelId="{17C47474-F518-4B3B-86DE-280B900BE813}" type="pres">
       <dgm:prSet presAssocID="{61280F78-FDAC-48D3-950B-F3C8AF185F20}" presName="hierChild3" presStyleCnt="0"/>
@@ -3634,13 +3440,6 @@
     <dgm:pt modelId="{3E7FA655-BC02-4EA0-AEE1-F28752CED68F}" type="pres">
       <dgm:prSet presAssocID="{3D9C928E-ED13-4DD1-BADF-E631FCF9FA34}" presName="Name19" presStyleLbl="parChTrans1D2" presStyleIdx="1" presStyleCnt="2"/>
       <dgm:spPr/>
-      <dgm:t>
-        <a:bodyPr/>
-        <a:lstStyle/>
-        <a:p>
-          <a:endParaRPr lang="en-US"/>
-        </a:p>
-      </dgm:t>
     </dgm:pt>
     <dgm:pt modelId="{6659E291-BB2F-47F4-A487-98D9815AA75A}" type="pres">
       <dgm:prSet presAssocID="{21476887-ECAE-45C1-9C3F-A9EF8E01EA0A}" presName="Name21" presStyleCnt="0"/>
@@ -3649,13 +3448,6 @@
     <dgm:pt modelId="{42397AFB-BF0A-49A9-A37E-F3C8DDAC6245}" type="pres">
       <dgm:prSet presAssocID="{21476887-ECAE-45C1-9C3F-A9EF8E01EA0A}" presName="level2Shape" presStyleLbl="node2" presStyleIdx="1" presStyleCnt="2"/>
       <dgm:spPr/>
-      <dgm:t>
-        <a:bodyPr/>
-        <a:lstStyle/>
-        <a:p>
-          <a:endParaRPr lang="en-US"/>
-        </a:p>
-      </dgm:t>
     </dgm:pt>
     <dgm:pt modelId="{DED4D486-5026-4D00-A584-019310725182}" type="pres">
       <dgm:prSet presAssocID="{21476887-ECAE-45C1-9C3F-A9EF8E01EA0A}" presName="hierChild3" presStyleCnt="0"/>
@@ -3664,13 +3456,6 @@
     <dgm:pt modelId="{79FED798-1514-40D9-94D6-2DB101CE2A5B}" type="pres">
       <dgm:prSet presAssocID="{BDD2CB49-4B29-4C19-AA88-EAC7D6178B3F}" presName="Name19" presStyleLbl="parChTrans1D3" presStyleIdx="2" presStyleCnt="4"/>
       <dgm:spPr/>
-      <dgm:t>
-        <a:bodyPr/>
-        <a:lstStyle/>
-        <a:p>
-          <a:endParaRPr lang="en-US"/>
-        </a:p>
-      </dgm:t>
     </dgm:pt>
     <dgm:pt modelId="{218E14C1-E388-4075-AC56-90C51E376355}" type="pres">
       <dgm:prSet presAssocID="{665EA98F-F7C8-4C79-BD1F-F4A208D0AE75}" presName="Name21" presStyleCnt="0"/>
@@ -3679,13 +3464,6 @@
     <dgm:pt modelId="{F5ABFAAF-0FCD-4A8D-9158-CA1F0450F7B8}" type="pres">
       <dgm:prSet presAssocID="{665EA98F-F7C8-4C79-BD1F-F4A208D0AE75}" presName="level2Shape" presStyleLbl="node3" presStyleIdx="2" presStyleCnt="4"/>
       <dgm:spPr/>
-      <dgm:t>
-        <a:bodyPr/>
-        <a:lstStyle/>
-        <a:p>
-          <a:endParaRPr lang="en-US"/>
-        </a:p>
-      </dgm:t>
     </dgm:pt>
     <dgm:pt modelId="{D28A84D9-E94B-442C-BF19-9116DB2F8347}" type="pres">
       <dgm:prSet presAssocID="{665EA98F-F7C8-4C79-BD1F-F4A208D0AE75}" presName="hierChild3" presStyleCnt="0"/>
@@ -3694,13 +3472,6 @@
     <dgm:pt modelId="{4AA25C2C-49C5-4D7A-9D9D-5D367993CDE3}" type="pres">
       <dgm:prSet presAssocID="{67FBDFFF-4C25-419F-8E9E-3E2291D9FCB2}" presName="Name19" presStyleLbl="parChTrans1D3" presStyleIdx="3" presStyleCnt="4"/>
       <dgm:spPr/>
-      <dgm:t>
-        <a:bodyPr/>
-        <a:lstStyle/>
-        <a:p>
-          <a:endParaRPr lang="en-US"/>
-        </a:p>
-      </dgm:t>
     </dgm:pt>
     <dgm:pt modelId="{1BAA4855-82B7-49F0-880A-F9B03371E77D}" type="pres">
       <dgm:prSet presAssocID="{3DEB9B76-D861-42C8-A670-6FF4CE28C9A8}" presName="Name21" presStyleCnt="0"/>
@@ -3709,13 +3480,6 @@
     <dgm:pt modelId="{02935216-1201-4B37-B299-50A5A5E72665}" type="pres">
       <dgm:prSet presAssocID="{3DEB9B76-D861-42C8-A670-6FF4CE28C9A8}" presName="level2Shape" presStyleLbl="node3" presStyleIdx="3" presStyleCnt="4"/>
       <dgm:spPr/>
-      <dgm:t>
-        <a:bodyPr/>
-        <a:lstStyle/>
-        <a:p>
-          <a:endParaRPr lang="en-US"/>
-        </a:p>
-      </dgm:t>
     </dgm:pt>
     <dgm:pt modelId="{59F5E96F-550A-4AD2-A27D-393BB7F29A5C}" type="pres">
       <dgm:prSet presAssocID="{3DEB9B76-D861-42C8-A670-6FF4CE28C9A8}" presName="hierChild3" presStyleCnt="0"/>
@@ -3727,38 +3491,38 @@
     </dgm:pt>
   </dgm:ptLst>
   <dgm:cxnLst>
+    <dgm:cxn modelId="{61261500-912B-4EA0-B29E-FFEBC88F728E}" type="presOf" srcId="{665EA98F-F7C8-4C79-BD1F-F4A208D0AE75}" destId="{F5ABFAAF-0FCD-4A8D-9158-CA1F0450F7B8}" srcOrd="0" destOrd="0" presId="urn:microsoft.com/office/officeart/2005/8/layout/hierarchy6"/>
+    <dgm:cxn modelId="{FCE63610-CA5C-4E11-A01A-F54ED5AB011B}" type="presOf" srcId="{98F75255-8CF6-4D85-925B-6363212BB8E3}" destId="{0336AD5A-E7A2-4D5C-B2FA-CFE78A3D9199}" srcOrd="0" destOrd="0" presId="urn:microsoft.com/office/officeart/2005/8/layout/hierarchy6"/>
+    <dgm:cxn modelId="{7F391813-7430-4E3D-BC2D-C50E7DBD42BD}" srcId="{69E08A36-A4C0-40B9-A98D-56FD2D12204A}" destId="{21E92C4B-0BDF-4AE9-8169-91564FF2CE53}" srcOrd="1" destOrd="0" parTransId="{09A60F99-351F-48AD-B073-0D29B339D80A}" sibTransId="{5F271C76-A01A-4AA4-968F-824A6025C083}"/>
+    <dgm:cxn modelId="{EA72FD15-1008-41C0-A465-E94EB190FF53}" type="presOf" srcId="{09A60F99-351F-48AD-B073-0D29B339D80A}" destId="{200D009E-BE7C-47F8-8061-CA98DD294206}" srcOrd="0" destOrd="0" presId="urn:microsoft.com/office/officeart/2005/8/layout/hierarchy6"/>
+    <dgm:cxn modelId="{B8612520-883E-4737-8B7A-B9C5D39B8F1E}" type="presOf" srcId="{69E08A36-A4C0-40B9-A98D-56FD2D12204A}" destId="{4AC25751-7E88-4626-8854-1E0945DB6423}" srcOrd="0" destOrd="0" presId="urn:microsoft.com/office/officeart/2005/8/layout/hierarchy6"/>
+    <dgm:cxn modelId="{3E2DC326-5801-4DDD-ABA9-20F3BCEA727D}" type="presOf" srcId="{21E92C4B-0BDF-4AE9-8169-91564FF2CE53}" destId="{2CADC89F-C286-48B1-9065-D958B8383627}" srcOrd="0" destOrd="0" presId="urn:microsoft.com/office/officeart/2005/8/layout/hierarchy6"/>
+    <dgm:cxn modelId="{EED6783A-4103-432C-9EC5-8F58C70A143A}" type="presOf" srcId="{F651869F-C470-4D3E-AC32-F5F45C30BA7B}" destId="{B7798B10-726E-4303-A6E0-24787804CC7F}" srcOrd="0" destOrd="0" presId="urn:microsoft.com/office/officeart/2005/8/layout/hierarchy6"/>
+    <dgm:cxn modelId="{88BBCE3E-311E-4F95-88EC-AB0A877581C8}" type="presOf" srcId="{EC3625F7-7BB4-43ED-9CD6-92FEC6920C5E}" destId="{D60EB8DE-CE7E-45B8-BEB8-B9906596EA9B}" srcOrd="0" destOrd="0" presId="urn:microsoft.com/office/officeart/2005/8/layout/hierarchy6"/>
+    <dgm:cxn modelId="{54468F5B-004B-4B61-AB38-AA2910891A6D}" type="presOf" srcId="{D635EE81-8A26-46BF-AA6E-946C74A63BB5}" destId="{22347FD8-04BE-4F02-8F48-08F8E6CE3497}" srcOrd="0" destOrd="0" presId="urn:microsoft.com/office/officeart/2005/8/layout/hierarchy6"/>
+    <dgm:cxn modelId="{E2113F5C-6A4F-415A-8386-5DB549E87EBA}" type="presOf" srcId="{6E7A92D0-318F-45B7-8F6C-069D848B2CD7}" destId="{17218648-C4C3-44DC-8589-32ED8A1DC2B1}" srcOrd="0" destOrd="0" presId="urn:microsoft.com/office/officeart/2005/8/layout/hierarchy6"/>
+    <dgm:cxn modelId="{DBDF6B62-A972-4BB2-B9DB-3C95F5B49F53}" type="presOf" srcId="{87E6287E-CEFA-44CE-97AB-31F7C4913FE1}" destId="{C7BA26C8-7733-46F2-8553-DA90109C2447}" srcOrd="0" destOrd="0" presId="urn:microsoft.com/office/officeart/2005/8/layout/hierarchy6"/>
+    <dgm:cxn modelId="{4F228966-E525-4405-B12C-F65866B02182}" type="presOf" srcId="{18C1AFA2-4506-406F-B2C1-AED8AB02DD1F}" destId="{37838389-EEE5-4901-B70F-5422CFBDC7F2}" srcOrd="0" destOrd="0" presId="urn:microsoft.com/office/officeart/2005/8/layout/hierarchy6"/>
+    <dgm:cxn modelId="{3CB85F6A-F920-4062-8FE2-1380C41C7A4F}" type="presOf" srcId="{3DEB9B76-D861-42C8-A670-6FF4CE28C9A8}" destId="{02935216-1201-4B37-B299-50A5A5E72665}" srcOrd="0" destOrd="0" presId="urn:microsoft.com/office/officeart/2005/8/layout/hierarchy6"/>
+    <dgm:cxn modelId="{35AB524A-1AE6-47B2-9CE8-3AEB856BAF51}" srcId="{D635EE81-8A26-46BF-AA6E-946C74A63BB5}" destId="{EC3625F7-7BB4-43ED-9CD6-92FEC6920C5E}" srcOrd="0" destOrd="0" parTransId="{AAC91387-B894-49B0-9C07-E6583B81557F}" sibTransId="{E7041392-B7FD-4DF4-A8EC-E637C6F22C09}"/>
+    <dgm:cxn modelId="{522F8A6F-27AB-4141-83C7-17676B72407E}" srcId="{21E92C4B-0BDF-4AE9-8169-91564FF2CE53}" destId="{E18905D7-9D6D-4D43-96BA-11999E3C4FCE}" srcOrd="0" destOrd="0" parTransId="{98F75255-8CF6-4D85-925B-6363212BB8E3}" sibTransId="{2F840F72-A49B-4220-A5EA-6172FB349421}"/>
+    <dgm:cxn modelId="{B4AF2970-6A3A-4037-8CFB-A2878114B826}" srcId="{21E92C4B-0BDF-4AE9-8169-91564FF2CE53}" destId="{61280F78-FDAC-48D3-950B-F3C8AF185F20}" srcOrd="1" destOrd="0" parTransId="{F651869F-C470-4D3E-AC32-F5F45C30BA7B}" sibTransId="{0DEC1C02-EB43-4C58-8E69-FA714555543D}"/>
+    <dgm:cxn modelId="{47DCC677-49B7-4BFC-AA3C-0E702EB7110E}" srcId="{21476887-ECAE-45C1-9C3F-A9EF8E01EA0A}" destId="{3DEB9B76-D861-42C8-A670-6FF4CE28C9A8}" srcOrd="1" destOrd="0" parTransId="{67FBDFFF-4C25-419F-8E9E-3E2291D9FCB2}" sibTransId="{F31EF980-B338-4300-A30D-A9790CAC341C}"/>
+    <dgm:cxn modelId="{422E927A-CC20-4917-9F81-7FA5FA0F4D78}" srcId="{69E08A36-A4C0-40B9-A98D-56FD2D12204A}" destId="{87E6287E-CEFA-44CE-97AB-31F7C4913FE1}" srcOrd="0" destOrd="0" parTransId="{AD958C20-A51E-42CB-AF12-CA1C79FD2D09}" sibTransId="{4A9586DF-146A-44E1-9B05-B6084482BA12}"/>
+    <dgm:cxn modelId="{E8EFCE87-A5EE-4862-A5FE-563637B81D7A}" srcId="{87E6287E-CEFA-44CE-97AB-31F7C4913FE1}" destId="{6E7A92D0-318F-45B7-8F6C-069D848B2CD7}" srcOrd="1" destOrd="0" parTransId="{302BADE8-2864-4A68-8A1E-B67D205D4699}" sibTransId="{1A6017FE-25EA-448E-B584-5ECA8B35B3B2}"/>
+    <dgm:cxn modelId="{0947C28C-5051-433E-8C5C-0A6D6DE4E4AA}" type="presOf" srcId="{3D9C928E-ED13-4DD1-BADF-E631FCF9FA34}" destId="{3E7FA655-BC02-4EA0-AEE1-F28752CED68F}" srcOrd="0" destOrd="0" presId="urn:microsoft.com/office/officeart/2005/8/layout/hierarchy6"/>
+    <dgm:cxn modelId="{42992091-C903-44CF-B19B-F51636D01F34}" srcId="{87E6287E-CEFA-44CE-97AB-31F7C4913FE1}" destId="{68ADF712-24F3-43A2-9F3F-2132B291EC5D}" srcOrd="0" destOrd="0" parTransId="{18C1AFA2-4506-406F-B2C1-AED8AB02DD1F}" sibTransId="{1C467CA5-1892-44E7-B394-E3FC8BE73580}"/>
+    <dgm:cxn modelId="{E68F0793-DE55-4FB4-BFEF-0533B88915C4}" srcId="{EC3625F7-7BB4-43ED-9CD6-92FEC6920C5E}" destId="{69E08A36-A4C0-40B9-A98D-56FD2D12204A}" srcOrd="0" destOrd="0" parTransId="{B92EE821-15E1-4B85-808B-B53B41434F0C}" sibTransId="{29C10032-B79A-4172-A682-AB07E25AA158}"/>
+    <dgm:cxn modelId="{5A761CA5-7C6D-4A56-B984-00BBB30CF827}" type="presOf" srcId="{302BADE8-2864-4A68-8A1E-B67D205D4699}" destId="{B5F8F36F-33C4-4887-B24C-F4F21B315B5E}" srcOrd="0" destOrd="0" presId="urn:microsoft.com/office/officeart/2005/8/layout/hierarchy6"/>
+    <dgm:cxn modelId="{83CF2ABA-AE8C-4276-B89F-4823D0C1FB68}" type="presOf" srcId="{67FBDFFF-4C25-419F-8E9E-3E2291D9FCB2}" destId="{4AA25C2C-49C5-4D7A-9D9D-5D367993CDE3}" srcOrd="0" destOrd="0" presId="urn:microsoft.com/office/officeart/2005/8/layout/hierarchy6"/>
+    <dgm:cxn modelId="{C8455BBA-5393-4F65-97A3-C9FB61CD8FBA}" type="presOf" srcId="{AD958C20-A51E-42CB-AF12-CA1C79FD2D09}" destId="{F28D6372-D6EA-40F3-B41E-8757A5AE1FFC}" srcOrd="0" destOrd="0" presId="urn:microsoft.com/office/officeart/2005/8/layout/hierarchy6"/>
     <dgm:cxn modelId="{C7D375BD-14F9-45BF-A58F-7B3EBC1034EB}" type="presOf" srcId="{21476887-ECAE-45C1-9C3F-A9EF8E01EA0A}" destId="{42397AFB-BF0A-49A9-A37E-F3C8DDAC6245}" srcOrd="0" destOrd="0" presId="urn:microsoft.com/office/officeart/2005/8/layout/hierarchy6"/>
-    <dgm:cxn modelId="{EA72FD15-1008-41C0-A465-E94EB190FF53}" type="presOf" srcId="{09A60F99-351F-48AD-B073-0D29B339D80A}" destId="{200D009E-BE7C-47F8-8061-CA98DD294206}" srcOrd="0" destOrd="0" presId="urn:microsoft.com/office/officeart/2005/8/layout/hierarchy6"/>
-    <dgm:cxn modelId="{E68F0793-DE55-4FB4-BFEF-0533B88915C4}" srcId="{EC3625F7-7BB4-43ED-9CD6-92FEC6920C5E}" destId="{69E08A36-A4C0-40B9-A98D-56FD2D12204A}" srcOrd="0" destOrd="0" parTransId="{B92EE821-15E1-4B85-808B-B53B41434F0C}" sibTransId="{29C10032-B79A-4172-A682-AB07E25AA158}"/>
-    <dgm:cxn modelId="{B4AF2970-6A3A-4037-8CFB-A2878114B826}" srcId="{21E92C4B-0BDF-4AE9-8169-91564FF2CE53}" destId="{61280F78-FDAC-48D3-950B-F3C8AF185F20}" srcOrd="1" destOrd="0" parTransId="{F651869F-C470-4D3E-AC32-F5F45C30BA7B}" sibTransId="{0DEC1C02-EB43-4C58-8E69-FA714555543D}"/>
-    <dgm:cxn modelId="{C8455BBA-5393-4F65-97A3-C9FB61CD8FBA}" type="presOf" srcId="{AD958C20-A51E-42CB-AF12-CA1C79FD2D09}" destId="{F28D6372-D6EA-40F3-B41E-8757A5AE1FFC}" srcOrd="0" destOrd="0" presId="urn:microsoft.com/office/officeart/2005/8/layout/hierarchy6"/>
-    <dgm:cxn modelId="{88BBCE3E-311E-4F95-88EC-AB0A877581C8}" type="presOf" srcId="{EC3625F7-7BB4-43ED-9CD6-92FEC6920C5E}" destId="{D60EB8DE-CE7E-45B8-BEB8-B9906596EA9B}" srcOrd="0" destOrd="0" presId="urn:microsoft.com/office/officeart/2005/8/layout/hierarchy6"/>
-    <dgm:cxn modelId="{3E2DC326-5801-4DDD-ABA9-20F3BCEA727D}" type="presOf" srcId="{21E92C4B-0BDF-4AE9-8169-91564FF2CE53}" destId="{2CADC89F-C286-48B1-9065-D958B8383627}" srcOrd="0" destOrd="0" presId="urn:microsoft.com/office/officeart/2005/8/layout/hierarchy6"/>
     <dgm:cxn modelId="{5821B8C7-5F93-47B6-8E80-92C739500775}" type="presOf" srcId="{E18905D7-9D6D-4D43-96BA-11999E3C4FCE}" destId="{E8301E69-E78B-4F37-8FB4-43F0791657EE}" srcOrd="0" destOrd="0" presId="urn:microsoft.com/office/officeart/2005/8/layout/hierarchy6"/>
-    <dgm:cxn modelId="{DBDF6B62-A972-4BB2-B9DB-3C95F5B49F53}" type="presOf" srcId="{87E6287E-CEFA-44CE-97AB-31F7C4913FE1}" destId="{C7BA26C8-7733-46F2-8553-DA90109C2447}" srcOrd="0" destOrd="0" presId="urn:microsoft.com/office/officeart/2005/8/layout/hierarchy6"/>
-    <dgm:cxn modelId="{3CB85F6A-F920-4062-8FE2-1380C41C7A4F}" type="presOf" srcId="{3DEB9B76-D861-42C8-A670-6FF4CE28C9A8}" destId="{02935216-1201-4B37-B299-50A5A5E72665}" srcOrd="0" destOrd="0" presId="urn:microsoft.com/office/officeart/2005/8/layout/hierarchy6"/>
+    <dgm:cxn modelId="{950E26CE-F477-4ABA-AE0F-CBED83EDC0B1}" srcId="{EC3625F7-7BB4-43ED-9CD6-92FEC6920C5E}" destId="{21476887-ECAE-45C1-9C3F-A9EF8E01EA0A}" srcOrd="1" destOrd="0" parTransId="{3D9C928E-ED13-4DD1-BADF-E631FCF9FA34}" sibTransId="{6BB0C87C-5781-4A1D-A77F-EF3CBB3660EA}"/>
     <dgm:cxn modelId="{7337B3E2-6CD6-4D85-A049-74FD1F8E83A7}" type="presOf" srcId="{B92EE821-15E1-4B85-808B-B53B41434F0C}" destId="{B3ECF69D-AF74-4A68-AD62-E568752629C7}" srcOrd="0" destOrd="0" presId="urn:microsoft.com/office/officeart/2005/8/layout/hierarchy6"/>
-    <dgm:cxn modelId="{42992091-C903-44CF-B19B-F51636D01F34}" srcId="{87E6287E-CEFA-44CE-97AB-31F7C4913FE1}" destId="{68ADF712-24F3-43A2-9F3F-2132B291EC5D}" srcOrd="0" destOrd="0" parTransId="{18C1AFA2-4506-406F-B2C1-AED8AB02DD1F}" sibTransId="{1C467CA5-1892-44E7-B394-E3FC8BE73580}"/>
-    <dgm:cxn modelId="{EED6783A-4103-432C-9EC5-8F58C70A143A}" type="presOf" srcId="{F651869F-C470-4D3E-AC32-F5F45C30BA7B}" destId="{B7798B10-726E-4303-A6E0-24787804CC7F}" srcOrd="0" destOrd="0" presId="urn:microsoft.com/office/officeart/2005/8/layout/hierarchy6"/>
     <dgm:cxn modelId="{B57199E3-D686-42A1-B2D7-6FC93ED6ACA4}" type="presOf" srcId="{61280F78-FDAC-48D3-950B-F3C8AF185F20}" destId="{7EEDFE65-5375-4163-A127-CD40B8F60ABD}" srcOrd="0" destOrd="0" presId="urn:microsoft.com/office/officeart/2005/8/layout/hierarchy6"/>
-    <dgm:cxn modelId="{7F391813-7430-4E3D-BC2D-C50E7DBD42BD}" srcId="{69E08A36-A4C0-40B9-A98D-56FD2D12204A}" destId="{21E92C4B-0BDF-4AE9-8169-91564FF2CE53}" srcOrd="1" destOrd="0" parTransId="{09A60F99-351F-48AD-B073-0D29B339D80A}" sibTransId="{5F271C76-A01A-4AA4-968F-824A6025C083}"/>
-    <dgm:cxn modelId="{54468F5B-004B-4B61-AB38-AA2910891A6D}" type="presOf" srcId="{D635EE81-8A26-46BF-AA6E-946C74A63BB5}" destId="{22347FD8-04BE-4F02-8F48-08F8E6CE3497}" srcOrd="0" destOrd="0" presId="urn:microsoft.com/office/officeart/2005/8/layout/hierarchy6"/>
+    <dgm:cxn modelId="{1A3A23E6-BBD5-439D-89FD-03A47E2032FC}" type="presOf" srcId="{68ADF712-24F3-43A2-9F3F-2132B291EC5D}" destId="{E5D0FE39-804F-4EC9-B2FB-8B97CF2CE7F2}" srcOrd="0" destOrd="0" presId="urn:microsoft.com/office/officeart/2005/8/layout/hierarchy6"/>
     <dgm:cxn modelId="{D7BA86EA-84CB-457D-9B67-91CB9038B822}" srcId="{21476887-ECAE-45C1-9C3F-A9EF8E01EA0A}" destId="{665EA98F-F7C8-4C79-BD1F-F4A208D0AE75}" srcOrd="0" destOrd="0" parTransId="{BDD2CB49-4B29-4C19-AA88-EAC7D6178B3F}" sibTransId="{729FAF70-9265-4DB8-8F2C-88EBA00703AC}"/>
-    <dgm:cxn modelId="{61261500-912B-4EA0-B29E-FFEBC88F728E}" type="presOf" srcId="{665EA98F-F7C8-4C79-BD1F-F4A208D0AE75}" destId="{F5ABFAAF-0FCD-4A8D-9158-CA1F0450F7B8}" srcOrd="0" destOrd="0" presId="urn:microsoft.com/office/officeart/2005/8/layout/hierarchy6"/>
-    <dgm:cxn modelId="{B8612520-883E-4737-8B7A-B9C5D39B8F1E}" type="presOf" srcId="{69E08A36-A4C0-40B9-A98D-56FD2D12204A}" destId="{4AC25751-7E88-4626-8854-1E0945DB6423}" srcOrd="0" destOrd="0" presId="urn:microsoft.com/office/officeart/2005/8/layout/hierarchy6"/>
-    <dgm:cxn modelId="{0947C28C-5051-433E-8C5C-0A6D6DE4E4AA}" type="presOf" srcId="{3D9C928E-ED13-4DD1-BADF-E631FCF9FA34}" destId="{3E7FA655-BC02-4EA0-AEE1-F28752CED68F}" srcOrd="0" destOrd="0" presId="urn:microsoft.com/office/officeart/2005/8/layout/hierarchy6"/>
-    <dgm:cxn modelId="{E8EFCE87-A5EE-4862-A5FE-563637B81D7A}" srcId="{87E6287E-CEFA-44CE-97AB-31F7C4913FE1}" destId="{6E7A92D0-318F-45B7-8F6C-069D848B2CD7}" srcOrd="1" destOrd="0" parTransId="{302BADE8-2864-4A68-8A1E-B67D205D4699}" sibTransId="{1A6017FE-25EA-448E-B584-5ECA8B35B3B2}"/>
-    <dgm:cxn modelId="{83CF2ABA-AE8C-4276-B89F-4823D0C1FB68}" type="presOf" srcId="{67FBDFFF-4C25-419F-8E9E-3E2291D9FCB2}" destId="{4AA25C2C-49C5-4D7A-9D9D-5D367993CDE3}" srcOrd="0" destOrd="0" presId="urn:microsoft.com/office/officeart/2005/8/layout/hierarchy6"/>
-    <dgm:cxn modelId="{4F228966-E525-4405-B12C-F65866B02182}" type="presOf" srcId="{18C1AFA2-4506-406F-B2C1-AED8AB02DD1F}" destId="{37838389-EEE5-4901-B70F-5422CFBDC7F2}" srcOrd="0" destOrd="0" presId="urn:microsoft.com/office/officeart/2005/8/layout/hierarchy6"/>
-    <dgm:cxn modelId="{FCE63610-CA5C-4E11-A01A-F54ED5AB011B}" type="presOf" srcId="{98F75255-8CF6-4D85-925B-6363212BB8E3}" destId="{0336AD5A-E7A2-4D5C-B2FA-CFE78A3D9199}" srcOrd="0" destOrd="0" presId="urn:microsoft.com/office/officeart/2005/8/layout/hierarchy6"/>
-    <dgm:cxn modelId="{522F8A6F-27AB-4141-83C7-17676B72407E}" srcId="{21E92C4B-0BDF-4AE9-8169-91564FF2CE53}" destId="{E18905D7-9D6D-4D43-96BA-11999E3C4FCE}" srcOrd="0" destOrd="0" parTransId="{98F75255-8CF6-4D85-925B-6363212BB8E3}" sibTransId="{2F840F72-A49B-4220-A5EA-6172FB349421}"/>
-    <dgm:cxn modelId="{1A3A23E6-BBD5-439D-89FD-03A47E2032FC}" type="presOf" srcId="{68ADF712-24F3-43A2-9F3F-2132B291EC5D}" destId="{E5D0FE39-804F-4EC9-B2FB-8B97CF2CE7F2}" srcOrd="0" destOrd="0" presId="urn:microsoft.com/office/officeart/2005/8/layout/hierarchy6"/>
-    <dgm:cxn modelId="{35AB524A-1AE6-47B2-9CE8-3AEB856BAF51}" srcId="{D635EE81-8A26-46BF-AA6E-946C74A63BB5}" destId="{EC3625F7-7BB4-43ED-9CD6-92FEC6920C5E}" srcOrd="0" destOrd="0" parTransId="{AAC91387-B894-49B0-9C07-E6583B81557F}" sibTransId="{E7041392-B7FD-4DF4-A8EC-E637C6F22C09}"/>
-    <dgm:cxn modelId="{E2113F5C-6A4F-415A-8386-5DB549E87EBA}" type="presOf" srcId="{6E7A92D0-318F-45B7-8F6C-069D848B2CD7}" destId="{17218648-C4C3-44DC-8589-32ED8A1DC2B1}" srcOrd="0" destOrd="0" presId="urn:microsoft.com/office/officeart/2005/8/layout/hierarchy6"/>
-    <dgm:cxn modelId="{5A761CA5-7C6D-4A56-B984-00BBB30CF827}" type="presOf" srcId="{302BADE8-2864-4A68-8A1E-B67D205D4699}" destId="{B5F8F36F-33C4-4887-B24C-F4F21B315B5E}" srcOrd="0" destOrd="0" presId="urn:microsoft.com/office/officeart/2005/8/layout/hierarchy6"/>
-    <dgm:cxn modelId="{950E26CE-F477-4ABA-AE0F-CBED83EDC0B1}" srcId="{EC3625F7-7BB4-43ED-9CD6-92FEC6920C5E}" destId="{21476887-ECAE-45C1-9C3F-A9EF8E01EA0A}" srcOrd="1" destOrd="0" parTransId="{3D9C928E-ED13-4DD1-BADF-E631FCF9FA34}" sibTransId="{6BB0C87C-5781-4A1D-A77F-EF3CBB3660EA}"/>
-    <dgm:cxn modelId="{422E927A-CC20-4917-9F81-7FA5FA0F4D78}" srcId="{69E08A36-A4C0-40B9-A98D-56FD2D12204A}" destId="{87E6287E-CEFA-44CE-97AB-31F7C4913FE1}" srcOrd="0" destOrd="0" parTransId="{AD958C20-A51E-42CB-AF12-CA1C79FD2D09}" sibTransId="{4A9586DF-146A-44E1-9B05-B6084482BA12}"/>
-    <dgm:cxn modelId="{47DCC677-49B7-4BFC-AA3C-0E702EB7110E}" srcId="{21476887-ECAE-45C1-9C3F-A9EF8E01EA0A}" destId="{3DEB9B76-D861-42C8-A670-6FF4CE28C9A8}" srcOrd="1" destOrd="0" parTransId="{67FBDFFF-4C25-419F-8E9E-3E2291D9FCB2}" sibTransId="{F31EF980-B338-4300-A30D-A9790CAC341C}"/>
     <dgm:cxn modelId="{1DA9C3FC-7C16-4BF6-9873-58F71F44028F}" type="presOf" srcId="{BDD2CB49-4B29-4C19-AA88-EAC7D6178B3F}" destId="{79FED798-1514-40D9-94D6-2DB101CE2A5B}" srcOrd="0" destOrd="0" presId="urn:microsoft.com/office/officeart/2005/8/layout/hierarchy6"/>
     <dgm:cxn modelId="{D4E04E0E-AE0B-466A-9644-3215DEBFE6B9}" type="presParOf" srcId="{22347FD8-04BE-4F02-8F48-08F8E6CE3497}" destId="{2D310E36-02E5-4971-B7A7-AB3C865BBF4A}" srcOrd="0" destOrd="0" presId="urn:microsoft.com/office/officeart/2005/8/layout/hierarchy6"/>
     <dgm:cxn modelId="{B0A7FD22-E715-4B3C-ABB3-E14F29B97636}" type="presParOf" srcId="{2D310E36-02E5-4971-B7A7-AB3C865BBF4A}" destId="{E2C9B166-72A9-41F1-8E79-24E9052FAE2C}" srcOrd="0" destOrd="0" presId="urn:microsoft.com/office/officeart/2005/8/layout/hierarchy6"/>
@@ -3951,7 +3715,7 @@
         </a:bodyPr>
         <a:lstStyle/>
         <a:p>
-          <a:pPr lvl="0" algn="ctr" defTabSz="1244600">
+          <a:pPr marL="0" lvl="0" indent="0" algn="ctr" defTabSz="1244600">
             <a:lnSpc>
               <a:spcPct val="90000"/>
             </a:lnSpc>
@@ -3961,12 +3725,12 @@
             <a:spcAft>
               <a:spcPct val="35000"/>
             </a:spcAft>
+            <a:buNone/>
           </a:pPr>
           <a:r>
-            <a:rPr lang="en-US" sz="2800" kern="1200" dirty="0" smtClean="0"/>
+            <a:rPr lang="en-US" sz="2800" kern="1200" dirty="0"/>
             <a:t>Actor’s Inbox</a:t>
           </a:r>
-          <a:endParaRPr lang="en-US" sz="2800" kern="1200" dirty="0"/>
         </a:p>
       </dsp:txBody>
       <dsp:txXfrm>
@@ -4028,7 +3792,7 @@
         </a:bodyPr>
         <a:lstStyle/>
         <a:p>
-          <a:pPr lvl="0" algn="ctr" defTabSz="889000">
+          <a:pPr marL="0" lvl="0" indent="0" algn="ctr" defTabSz="889000">
             <a:lnSpc>
               <a:spcPct val="90000"/>
             </a:lnSpc>
@@ -4038,12 +3802,12 @@
             <a:spcAft>
               <a:spcPct val="35000"/>
             </a:spcAft>
+            <a:buNone/>
           </a:pPr>
           <a:r>
-            <a:rPr lang="en-US" sz="2000" kern="1200" dirty="0" smtClean="0"/>
+            <a:rPr lang="en-US" sz="2000" kern="1200" dirty="0"/>
             <a:t>Sender N</a:t>
           </a:r>
-          <a:endParaRPr lang="en-US" sz="2000" kern="1200" dirty="0"/>
         </a:p>
       </dsp:txBody>
       <dsp:txXfrm>
@@ -4105,7 +3869,7 @@
         </a:bodyPr>
         <a:lstStyle/>
         <a:p>
-          <a:pPr lvl="0" algn="ctr" defTabSz="889000">
+          <a:pPr marL="0" lvl="0" indent="0" algn="ctr" defTabSz="889000">
             <a:lnSpc>
               <a:spcPct val="90000"/>
             </a:lnSpc>
@@ -4115,12 +3879,12 @@
             <a:spcAft>
               <a:spcPct val="35000"/>
             </a:spcAft>
+            <a:buNone/>
           </a:pPr>
           <a:r>
-            <a:rPr lang="en-US" sz="2000" kern="1200" dirty="0" smtClean="0"/>
+            <a:rPr lang="en-US" sz="2000" kern="1200" dirty="0"/>
             <a:t>Sender 2</a:t>
           </a:r>
-          <a:endParaRPr lang="en-US" sz="2000" kern="1200" dirty="0"/>
         </a:p>
       </dsp:txBody>
       <dsp:txXfrm>
@@ -4182,7 +3946,7 @@
         </a:bodyPr>
         <a:lstStyle/>
         <a:p>
-          <a:pPr lvl="0" algn="ctr" defTabSz="889000">
+          <a:pPr marL="0" lvl="0" indent="0" algn="ctr" defTabSz="889000">
             <a:lnSpc>
               <a:spcPct val="90000"/>
             </a:lnSpc>
@@ -4192,12 +3956,12 @@
             <a:spcAft>
               <a:spcPct val="35000"/>
             </a:spcAft>
+            <a:buNone/>
           </a:pPr>
           <a:r>
-            <a:rPr lang="en-US" sz="2000" kern="1200" dirty="0" smtClean="0"/>
+            <a:rPr lang="en-US" sz="2000" kern="1200" dirty="0"/>
             <a:t>Sender 1</a:t>
           </a:r>
-          <a:endParaRPr lang="en-US" sz="2000" kern="1200" dirty="0"/>
         </a:p>
       </dsp:txBody>
       <dsp:txXfrm>
@@ -4340,7 +4104,7 @@
         </a:bodyPr>
         <a:lstStyle/>
         <a:p>
-          <a:pPr lvl="0" algn="ctr" defTabSz="1022350">
+          <a:pPr marL="0" lvl="0" indent="0" algn="ctr" defTabSz="1022350">
             <a:lnSpc>
               <a:spcPct val="90000"/>
             </a:lnSpc>
@@ -4350,12 +4114,12 @@
             <a:spcAft>
               <a:spcPct val="35000"/>
             </a:spcAft>
+            <a:buNone/>
           </a:pPr>
           <a:r>
-            <a:rPr lang="en-US" sz="2300" kern="1200" dirty="0" smtClean="0"/>
+            <a:rPr lang="en-US" sz="2300" kern="1200" dirty="0"/>
             <a:t>Message N</a:t>
           </a:r>
-          <a:endParaRPr lang="en-US" sz="2300" kern="1200" dirty="0"/>
         </a:p>
       </dsp:txBody>
       <dsp:txXfrm>
@@ -4438,7 +4202,7 @@
         </a:bodyPr>
         <a:lstStyle/>
         <a:p>
-          <a:pPr lvl="0" algn="ctr" defTabSz="1022350">
+          <a:pPr marL="0" lvl="0" indent="0" algn="ctr" defTabSz="1022350">
             <a:lnSpc>
               <a:spcPct val="90000"/>
             </a:lnSpc>
@@ -4448,12 +4212,12 @@
             <a:spcAft>
               <a:spcPct val="35000"/>
             </a:spcAft>
+            <a:buNone/>
           </a:pPr>
           <a:r>
-            <a:rPr lang="en-US" sz="2300" kern="1200" dirty="0" smtClean="0"/>
+            <a:rPr lang="en-US" sz="2300" kern="1200" dirty="0"/>
             <a:t>Message 2</a:t>
           </a:r>
-          <a:endParaRPr lang="en-US" sz="2300" kern="1200" dirty="0"/>
         </a:p>
       </dsp:txBody>
       <dsp:txXfrm>
@@ -4536,7 +4300,7 @@
         </a:bodyPr>
         <a:lstStyle/>
         <a:p>
-          <a:pPr lvl="0" algn="ctr" defTabSz="1022350">
+          <a:pPr marL="0" lvl="0" indent="0" algn="ctr" defTabSz="1022350">
             <a:lnSpc>
               <a:spcPct val="90000"/>
             </a:lnSpc>
@@ -4546,12 +4310,12 @@
             <a:spcAft>
               <a:spcPct val="35000"/>
             </a:spcAft>
+            <a:buNone/>
           </a:pPr>
           <a:r>
-            <a:rPr lang="en-US" sz="2300" kern="1200" dirty="0" smtClean="0"/>
+            <a:rPr lang="en-US" sz="2300" kern="1200" dirty="0"/>
             <a:t>Message 1</a:t>
           </a:r>
-          <a:endParaRPr lang="en-US" sz="2300" kern="1200" dirty="0"/>
         </a:p>
       </dsp:txBody>
       <dsp:txXfrm>
@@ -4634,7 +4398,7 @@
         </a:bodyPr>
         <a:lstStyle/>
         <a:p>
-          <a:pPr lvl="0" algn="ctr" defTabSz="1022350">
+          <a:pPr marL="0" lvl="0" indent="0" algn="ctr" defTabSz="1022350">
             <a:lnSpc>
               <a:spcPct val="90000"/>
             </a:lnSpc>
@@ -4644,12 +4408,12 @@
             <a:spcAft>
               <a:spcPct val="35000"/>
             </a:spcAft>
+            <a:buNone/>
           </a:pPr>
           <a:r>
-            <a:rPr lang="en-US" sz="2300" kern="1200" dirty="0" smtClean="0"/>
+            <a:rPr lang="en-US" sz="2300" kern="1200" dirty="0"/>
             <a:t>Actor</a:t>
           </a:r>
-          <a:endParaRPr lang="en-US" sz="2300" kern="1200" dirty="0"/>
         </a:p>
       </dsp:txBody>
       <dsp:txXfrm>
@@ -4720,7 +4484,7 @@
         </a:bodyPr>
         <a:lstStyle/>
         <a:p>
-          <a:pPr lvl="0" algn="ctr" defTabSz="844550">
+          <a:pPr marL="0" lvl="0" indent="0" algn="ctr" defTabSz="844550">
             <a:lnSpc>
               <a:spcPct val="90000"/>
             </a:lnSpc>
@@ -4730,12 +4494,12 @@
             <a:spcAft>
               <a:spcPct val="35000"/>
             </a:spcAft>
+            <a:buNone/>
           </a:pPr>
           <a:r>
-            <a:rPr lang="en-US" sz="1900" kern="1200" dirty="0" smtClean="0"/>
+            <a:rPr lang="en-US" sz="1900" kern="1200" dirty="0"/>
             <a:t>Root</a:t>
           </a:r>
-          <a:endParaRPr lang="en-US" sz="1900" kern="1200" dirty="0"/>
         </a:p>
       </dsp:txBody>
       <dsp:txXfrm>
@@ -4855,7 +4619,7 @@
         </a:bodyPr>
         <a:lstStyle/>
         <a:p>
-          <a:pPr lvl="0" algn="ctr" defTabSz="844550">
+          <a:pPr marL="0" lvl="0" indent="0" algn="ctr" defTabSz="844550">
             <a:lnSpc>
               <a:spcPct val="90000"/>
             </a:lnSpc>
@@ -4865,12 +4629,12 @@
             <a:spcAft>
               <a:spcPct val="35000"/>
             </a:spcAft>
+            <a:buNone/>
           </a:pPr>
           <a:r>
-            <a:rPr lang="en-US" sz="1900" kern="1200" dirty="0" smtClean="0"/>
+            <a:rPr lang="en-US" sz="1900" kern="1200" dirty="0"/>
             <a:t>User</a:t>
           </a:r>
-          <a:endParaRPr lang="en-US" sz="1900" kern="1200" dirty="0"/>
         </a:p>
       </dsp:txBody>
       <dsp:txXfrm>
@@ -4995,7 +4759,7 @@
         </a:bodyPr>
         <a:lstStyle/>
         <a:p>
-          <a:pPr lvl="0" algn="ctr" defTabSz="844550">
+          <a:pPr marL="0" lvl="0" indent="0" algn="ctr" defTabSz="844550">
             <a:lnSpc>
               <a:spcPct val="90000"/>
             </a:lnSpc>
@@ -5005,12 +4769,12 @@
             <a:spcAft>
               <a:spcPct val="35000"/>
             </a:spcAft>
+            <a:buNone/>
           </a:pPr>
           <a:r>
-            <a:rPr lang="en-US" sz="1900" kern="1200" dirty="0" smtClean="0"/>
+            <a:rPr lang="en-US" sz="1900" kern="1200" dirty="0"/>
             <a:t>Top Actor</a:t>
           </a:r>
-          <a:endParaRPr lang="en-US" sz="1900" kern="1200" dirty="0"/>
         </a:p>
       </dsp:txBody>
       <dsp:txXfrm>
@@ -5135,7 +4899,7 @@
         </a:bodyPr>
         <a:lstStyle/>
         <a:p>
-          <a:pPr lvl="0" algn="ctr" defTabSz="844550">
+          <a:pPr marL="0" lvl="0" indent="0" algn="ctr" defTabSz="844550">
             <a:lnSpc>
               <a:spcPct val="90000"/>
             </a:lnSpc>
@@ -5145,12 +4909,12 @@
             <a:spcAft>
               <a:spcPct val="35000"/>
             </a:spcAft>
+            <a:buNone/>
           </a:pPr>
           <a:r>
-            <a:rPr lang="en-US" sz="1900" kern="1200" dirty="0" smtClean="0"/>
+            <a:rPr lang="en-US" sz="1900" kern="1200" dirty="0"/>
             <a:t>Child 1</a:t>
           </a:r>
-          <a:endParaRPr lang="en-US" sz="1900" kern="1200" dirty="0"/>
         </a:p>
       </dsp:txBody>
       <dsp:txXfrm>
@@ -5275,7 +5039,7 @@
         </a:bodyPr>
         <a:lstStyle/>
         <a:p>
-          <a:pPr lvl="0" algn="ctr" defTabSz="844550">
+          <a:pPr marL="0" lvl="0" indent="0" algn="ctr" defTabSz="844550">
             <a:lnSpc>
               <a:spcPct val="90000"/>
             </a:lnSpc>
@@ -5285,12 +5049,12 @@
             <a:spcAft>
               <a:spcPct val="35000"/>
             </a:spcAft>
+            <a:buNone/>
           </a:pPr>
           <a:r>
-            <a:rPr lang="en-US" sz="1900" kern="1200" dirty="0" smtClean="0"/>
+            <a:rPr lang="en-US" sz="1900" kern="1200" dirty="0"/>
             <a:t>Child 2</a:t>
           </a:r>
-          <a:endParaRPr lang="en-US" sz="1900" kern="1200" dirty="0"/>
         </a:p>
       </dsp:txBody>
       <dsp:txXfrm>
@@ -5415,7 +5179,7 @@
         </a:bodyPr>
         <a:lstStyle/>
         <a:p>
-          <a:pPr lvl="0" algn="ctr" defTabSz="844550">
+          <a:pPr marL="0" lvl="0" indent="0" algn="ctr" defTabSz="844550">
             <a:lnSpc>
               <a:spcPct val="90000"/>
             </a:lnSpc>
@@ -5425,12 +5189,12 @@
             <a:spcAft>
               <a:spcPct val="35000"/>
             </a:spcAft>
+            <a:buNone/>
           </a:pPr>
           <a:r>
-            <a:rPr lang="en-US" sz="1900" kern="1200" dirty="0" smtClean="0"/>
+            <a:rPr lang="en-US" sz="1900" kern="1200" dirty="0"/>
             <a:t>Other Top</a:t>
           </a:r>
-          <a:endParaRPr lang="en-US" sz="1900" kern="1200" dirty="0"/>
         </a:p>
       </dsp:txBody>
       <dsp:txXfrm>
@@ -5555,7 +5319,7 @@
         </a:bodyPr>
         <a:lstStyle/>
         <a:p>
-          <a:pPr lvl="0" algn="ctr" defTabSz="844550">
+          <a:pPr marL="0" lvl="0" indent="0" algn="ctr" defTabSz="844550">
             <a:lnSpc>
               <a:spcPct val="90000"/>
             </a:lnSpc>
@@ -5565,12 +5329,12 @@
             <a:spcAft>
               <a:spcPct val="35000"/>
             </a:spcAft>
+            <a:buNone/>
           </a:pPr>
           <a:r>
-            <a:rPr lang="en-US" sz="1900" kern="1200" dirty="0" smtClean="0"/>
+            <a:rPr lang="en-US" sz="1900" kern="1200" dirty="0"/>
             <a:t>Sub 1</a:t>
           </a:r>
-          <a:endParaRPr lang="en-US" sz="1900" kern="1200" dirty="0"/>
         </a:p>
       </dsp:txBody>
       <dsp:txXfrm>
@@ -5695,7 +5459,7 @@
         </a:bodyPr>
         <a:lstStyle/>
         <a:p>
-          <a:pPr lvl="0" algn="ctr" defTabSz="844550">
+          <a:pPr marL="0" lvl="0" indent="0" algn="ctr" defTabSz="844550">
             <a:lnSpc>
               <a:spcPct val="90000"/>
             </a:lnSpc>
@@ -5705,12 +5469,12 @@
             <a:spcAft>
               <a:spcPct val="35000"/>
             </a:spcAft>
+            <a:buNone/>
           </a:pPr>
           <a:r>
-            <a:rPr lang="en-US" sz="1900" kern="1200" dirty="0" smtClean="0"/>
+            <a:rPr lang="en-US" sz="1900" kern="1200" dirty="0"/>
             <a:t>Sub 2</a:t>
           </a:r>
-          <a:endParaRPr lang="en-US" sz="1900" kern="1200" dirty="0"/>
         </a:p>
       </dsp:txBody>
       <dsp:txXfrm>
@@ -5830,7 +5594,7 @@
         </a:bodyPr>
         <a:lstStyle/>
         <a:p>
-          <a:pPr lvl="0" algn="ctr" defTabSz="844550">
+          <a:pPr marL="0" lvl="0" indent="0" algn="ctr" defTabSz="844550">
             <a:lnSpc>
               <a:spcPct val="90000"/>
             </a:lnSpc>
@@ -5840,12 +5604,12 @@
             <a:spcAft>
               <a:spcPct val="35000"/>
             </a:spcAft>
+            <a:buNone/>
           </a:pPr>
           <a:r>
-            <a:rPr lang="en-US" sz="1900" kern="1200" dirty="0" smtClean="0"/>
+            <a:rPr lang="en-US" sz="1900" kern="1200" dirty="0"/>
             <a:t>System</a:t>
           </a:r>
-          <a:endParaRPr lang="en-US" sz="1900" kern="1200" dirty="0"/>
         </a:p>
       </dsp:txBody>
       <dsp:txXfrm>
@@ -5965,7 +5729,7 @@
         </a:bodyPr>
         <a:lstStyle/>
         <a:p>
-          <a:pPr lvl="0" algn="ctr" defTabSz="844550">
+          <a:pPr marL="0" lvl="0" indent="0" algn="ctr" defTabSz="844550">
             <a:lnSpc>
               <a:spcPct val="90000"/>
             </a:lnSpc>
@@ -5975,12 +5739,12 @@
             <a:spcAft>
               <a:spcPct val="35000"/>
             </a:spcAft>
+            <a:buNone/>
           </a:pPr>
           <a:r>
-            <a:rPr lang="en-US" sz="1900" kern="1200" dirty="0" smtClean="0"/>
+            <a:rPr lang="en-US" sz="1900" kern="1200" dirty="0"/>
             <a:t>Scheduler</a:t>
           </a:r>
-          <a:endParaRPr lang="en-US" sz="1900" kern="1200" dirty="0"/>
         </a:p>
       </dsp:txBody>
       <dsp:txXfrm>
@@ -6100,7 +5864,7 @@
         </a:bodyPr>
         <a:lstStyle/>
         <a:p>
-          <a:pPr lvl="0" algn="ctr" defTabSz="844550">
+          <a:pPr marL="0" lvl="0" indent="0" algn="ctr" defTabSz="844550">
             <a:lnSpc>
               <a:spcPct val="90000"/>
             </a:lnSpc>
@@ -6110,12 +5874,12 @@
             <a:spcAft>
               <a:spcPct val="35000"/>
             </a:spcAft>
+            <a:buNone/>
           </a:pPr>
           <a:r>
-            <a:rPr lang="en-US" sz="1900" kern="1200" dirty="0" smtClean="0"/>
+            <a:rPr lang="en-US" sz="1900" kern="1200" dirty="0"/>
             <a:t>Others</a:t>
           </a:r>
-          <a:endParaRPr lang="en-US" sz="1900" kern="1200" dirty="0"/>
         </a:p>
       </dsp:txBody>
       <dsp:txXfrm>
@@ -10385,7 +10149,7 @@
           </a:lstStyle>
           <a:p>
             <a:r>
-              <a:rPr lang="en-US" smtClean="0"/>
+              <a:rPr lang="en-US"/>
               <a:t>Click to edit Master title style</a:t>
             </a:r>
             <a:endParaRPr lang="en-US" dirty="0"/>
@@ -10465,7 +10229,7 @@
           </a:lstStyle>
           <a:p>
             <a:r>
-              <a:rPr lang="en-US" smtClean="0"/>
+              <a:rPr lang="en-US"/>
               <a:t>Click to edit Master subtitle style</a:t>
             </a:r>
             <a:endParaRPr lang="en-US" dirty="0"/>
@@ -10493,7 +10257,7 @@
           <a:p>
             <a:fld id="{FE8BC13A-84C2-4F23-B046-9F1FD285F1D3}" type="datetimeFigureOut">
               <a:rPr lang="en-US" smtClean="0"/>
-              <a:t>6/5/2017</a:t>
+              <a:t>5/10/2023</a:t>
             </a:fld>
             <a:endParaRPr lang="en-US"/>
           </a:p>
@@ -10690,7 +10454,7 @@
           <a:lstStyle/>
           <a:p>
             <a:r>
-              <a:rPr lang="en-US" smtClean="0"/>
+              <a:rPr lang="en-US"/>
               <a:t>Click to edit Master title style</a:t>
             </a:r>
             <a:endParaRPr lang="en-US" dirty="0"/>
@@ -10714,35 +10478,35 @@
           <a:p>
             <a:pPr lvl="0"/>
             <a:r>
-              <a:rPr lang="en-US" smtClean="0"/>
+              <a:rPr lang="en-US"/>
               <a:t>Edit Master text styles</a:t>
             </a:r>
           </a:p>
           <a:p>
             <a:pPr lvl="1"/>
             <a:r>
-              <a:rPr lang="en-US" smtClean="0"/>
+              <a:rPr lang="en-US"/>
               <a:t>Second level</a:t>
             </a:r>
           </a:p>
           <a:p>
             <a:pPr lvl="2"/>
             <a:r>
-              <a:rPr lang="en-US" smtClean="0"/>
+              <a:rPr lang="en-US"/>
               <a:t>Third level</a:t>
             </a:r>
           </a:p>
           <a:p>
             <a:pPr lvl="3"/>
             <a:r>
-              <a:rPr lang="en-US" smtClean="0"/>
+              <a:rPr lang="en-US"/>
               <a:t>Fourth level</a:t>
             </a:r>
           </a:p>
           <a:p>
             <a:pPr lvl="4"/>
             <a:r>
-              <a:rPr lang="en-US" smtClean="0"/>
+              <a:rPr lang="en-US"/>
               <a:t>Fifth level</a:t>
             </a:r>
             <a:endParaRPr lang="en-US" dirty="0"/>
@@ -10766,7 +10530,7 @@
           <a:p>
             <a:fld id="{FE8BC13A-84C2-4F23-B046-9F1FD285F1D3}" type="datetimeFigureOut">
               <a:rPr lang="en-US" smtClean="0"/>
-              <a:t>6/5/2017</a:t>
+              <a:t>5/10/2023</a:t>
             </a:fld>
             <a:endParaRPr lang="en-US"/>
           </a:p>
@@ -10871,7 +10635,7 @@
           </a:lstStyle>
           <a:p>
             <a:r>
-              <a:rPr lang="en-US" smtClean="0"/>
+              <a:rPr lang="en-US"/>
               <a:t>Click to edit Master title style</a:t>
             </a:r>
             <a:endParaRPr lang="en-US" dirty="0"/>
@@ -11000,7 +10764,7 @@
           <a:p>
             <a:pPr lvl="0"/>
             <a:r>
-              <a:rPr lang="en-US" smtClean="0"/>
+              <a:rPr lang="en-US"/>
               <a:t>Edit Master text styles</a:t>
             </a:r>
           </a:p>
@@ -11023,7 +10787,7 @@
           <a:p>
             <a:fld id="{FE8BC13A-84C2-4F23-B046-9F1FD285F1D3}" type="datetimeFigureOut">
               <a:rPr lang="en-US" smtClean="0"/>
-              <a:t>6/5/2017</a:t>
+              <a:t>5/10/2023</a:t>
             </a:fld>
             <a:endParaRPr lang="en-US"/>
           </a:p>
@@ -11232,7 +10996,7 @@
           <a:lstStyle/>
           <a:p>
             <a:r>
-              <a:rPr lang="en-US" smtClean="0"/>
+              <a:rPr lang="en-US"/>
               <a:t>Click to edit Master title style</a:t>
             </a:r>
             <a:endParaRPr lang="en-US" dirty="0"/>
@@ -11261,35 +11025,35 @@
           <a:p>
             <a:pPr lvl="0"/>
             <a:r>
-              <a:rPr lang="en-US" smtClean="0"/>
+              <a:rPr lang="en-US"/>
               <a:t>Edit Master text styles</a:t>
             </a:r>
           </a:p>
           <a:p>
             <a:pPr lvl="1"/>
             <a:r>
-              <a:rPr lang="en-US" smtClean="0"/>
+              <a:rPr lang="en-US"/>
               <a:t>Second level</a:t>
             </a:r>
           </a:p>
           <a:p>
             <a:pPr lvl="2"/>
             <a:r>
-              <a:rPr lang="en-US" smtClean="0"/>
+              <a:rPr lang="en-US"/>
               <a:t>Third level</a:t>
             </a:r>
           </a:p>
           <a:p>
             <a:pPr lvl="3"/>
             <a:r>
-              <a:rPr lang="en-US" smtClean="0"/>
+              <a:rPr lang="en-US"/>
               <a:t>Fourth level</a:t>
             </a:r>
           </a:p>
           <a:p>
             <a:pPr lvl="4"/>
             <a:r>
-              <a:rPr lang="en-US" smtClean="0"/>
+              <a:rPr lang="en-US"/>
               <a:t>Fifth level</a:t>
             </a:r>
             <a:endParaRPr lang="en-US" dirty="0"/>
@@ -11318,35 +11082,35 @@
           <a:p>
             <a:pPr lvl="0"/>
             <a:r>
-              <a:rPr lang="en-US" smtClean="0"/>
+              <a:rPr lang="en-US"/>
               <a:t>Edit Master text styles</a:t>
             </a:r>
           </a:p>
           <a:p>
             <a:pPr lvl="1"/>
             <a:r>
-              <a:rPr lang="en-US" smtClean="0"/>
+              <a:rPr lang="en-US"/>
               <a:t>Second level</a:t>
             </a:r>
           </a:p>
           <a:p>
             <a:pPr lvl="2"/>
             <a:r>
-              <a:rPr lang="en-US" smtClean="0"/>
+              <a:rPr lang="en-US"/>
               <a:t>Third level</a:t>
             </a:r>
           </a:p>
           <a:p>
             <a:pPr lvl="3"/>
             <a:r>
-              <a:rPr lang="en-US" smtClean="0"/>
+              <a:rPr lang="en-US"/>
               <a:t>Fourth level</a:t>
             </a:r>
           </a:p>
           <a:p>
             <a:pPr lvl="4"/>
             <a:r>
-              <a:rPr lang="en-US" smtClean="0"/>
+              <a:rPr lang="en-US"/>
               <a:t>Fifth level</a:t>
             </a:r>
             <a:endParaRPr lang="en-US" dirty="0"/>
@@ -11370,7 +11134,7 @@
           <a:p>
             <a:fld id="{FE8BC13A-84C2-4F23-B046-9F1FD285F1D3}" type="datetimeFigureOut">
               <a:rPr lang="en-US" smtClean="0"/>
-              <a:t>6/5/2017</a:t>
+              <a:t>5/10/2023</a:t>
             </a:fld>
             <a:endParaRPr lang="en-US"/>
           </a:p>
@@ -11464,7 +11228,7 @@
           <a:lstStyle/>
           <a:p>
             <a:r>
-              <a:rPr lang="en-US" smtClean="0"/>
+              <a:rPr lang="en-US"/>
               <a:t>Click to edit Master title style</a:t>
             </a:r>
             <a:endParaRPr lang="en-US" dirty="0"/>
@@ -11545,7 +11309,7 @@
           <a:p>
             <a:pPr lvl="0"/>
             <a:r>
-              <a:rPr lang="en-US" smtClean="0"/>
+              <a:rPr lang="en-US"/>
               <a:t>Edit Master text styles</a:t>
             </a:r>
           </a:p>
@@ -11573,35 +11337,35 @@
           <a:p>
             <a:pPr lvl="0"/>
             <a:r>
-              <a:rPr lang="en-US" smtClean="0"/>
+              <a:rPr lang="en-US"/>
               <a:t>Edit Master text styles</a:t>
             </a:r>
           </a:p>
           <a:p>
             <a:pPr lvl="1"/>
             <a:r>
-              <a:rPr lang="en-US" smtClean="0"/>
+              <a:rPr lang="en-US"/>
               <a:t>Second level</a:t>
             </a:r>
           </a:p>
           <a:p>
             <a:pPr lvl="2"/>
             <a:r>
-              <a:rPr lang="en-US" smtClean="0"/>
+              <a:rPr lang="en-US"/>
               <a:t>Third level</a:t>
             </a:r>
           </a:p>
           <a:p>
             <a:pPr lvl="3"/>
             <a:r>
-              <a:rPr lang="en-US" smtClean="0"/>
+              <a:rPr lang="en-US"/>
               <a:t>Fourth level</a:t>
             </a:r>
           </a:p>
           <a:p>
             <a:pPr lvl="4"/>
             <a:r>
-              <a:rPr lang="en-US" smtClean="0"/>
+              <a:rPr lang="en-US"/>
               <a:t>Fifth level</a:t>
             </a:r>
             <a:endParaRPr lang="en-US" dirty="0"/>
@@ -11692,7 +11456,7 @@
               <a:buNone/>
             </a:pPr>
             <a:r>
-              <a:rPr lang="en-US" smtClean="0"/>
+              <a:rPr lang="en-US"/>
               <a:t>Edit Master text styles</a:t>
             </a:r>
           </a:p>
@@ -11720,35 +11484,35 @@
           <a:p>
             <a:pPr lvl="0"/>
             <a:r>
-              <a:rPr lang="en-US" smtClean="0"/>
+              <a:rPr lang="en-US"/>
               <a:t>Edit Master text styles</a:t>
             </a:r>
           </a:p>
           <a:p>
             <a:pPr lvl="1"/>
             <a:r>
-              <a:rPr lang="en-US" smtClean="0"/>
+              <a:rPr lang="en-US"/>
               <a:t>Second level</a:t>
             </a:r>
           </a:p>
           <a:p>
             <a:pPr lvl="2"/>
             <a:r>
-              <a:rPr lang="en-US" smtClean="0"/>
+              <a:rPr lang="en-US"/>
               <a:t>Third level</a:t>
             </a:r>
           </a:p>
           <a:p>
             <a:pPr lvl="3"/>
             <a:r>
-              <a:rPr lang="en-US" smtClean="0"/>
+              <a:rPr lang="en-US"/>
               <a:t>Fourth level</a:t>
             </a:r>
           </a:p>
           <a:p>
             <a:pPr lvl="4"/>
             <a:r>
-              <a:rPr lang="en-US" smtClean="0"/>
+              <a:rPr lang="en-US"/>
               <a:t>Fifth level</a:t>
             </a:r>
             <a:endParaRPr lang="en-US" dirty="0"/>
@@ -11772,7 +11536,7 @@
           <a:p>
             <a:fld id="{FE8BC13A-84C2-4F23-B046-9F1FD285F1D3}" type="datetimeFigureOut">
               <a:rPr lang="en-US" smtClean="0"/>
-              <a:t>6/5/2017</a:t>
+              <a:t>5/10/2023</a:t>
             </a:fld>
             <a:endParaRPr lang="en-US"/>
           </a:p>
@@ -11866,7 +11630,7 @@
           <a:lstStyle/>
           <a:p>
             <a:r>
-              <a:rPr lang="en-US" smtClean="0"/>
+              <a:rPr lang="en-US"/>
               <a:t>Click to edit Master title style</a:t>
             </a:r>
             <a:endParaRPr lang="en-US" dirty="0"/>
@@ -11890,7 +11654,7 @@
           <a:p>
             <a:fld id="{FE8BC13A-84C2-4F23-B046-9F1FD285F1D3}" type="datetimeFigureOut">
               <a:rPr lang="en-US" smtClean="0"/>
-              <a:t>6/5/2017</a:t>
+              <a:t>5/10/2023</a:t>
             </a:fld>
             <a:endParaRPr lang="en-US"/>
           </a:p>
@@ -11985,7 +11749,7 @@
           <a:p>
             <a:fld id="{FE8BC13A-84C2-4F23-B046-9F1FD285F1D3}" type="datetimeFigureOut">
               <a:rPr lang="en-US" smtClean="0"/>
-              <a:t>6/5/2017</a:t>
+              <a:t>5/10/2023</a:t>
             </a:fld>
             <a:endParaRPr lang="en-US"/>
           </a:p>
@@ -12093,7 +11857,7 @@
           </a:lstStyle>
           <a:p>
             <a:r>
-              <a:rPr lang="en-US" smtClean="0"/>
+              <a:rPr lang="en-US"/>
               <a:t>Click to edit Master title style</a:t>
             </a:r>
             <a:endParaRPr lang="en-US" dirty="0"/>
@@ -12150,35 +11914,35 @@
           <a:p>
             <a:pPr lvl="0"/>
             <a:r>
-              <a:rPr lang="en-US" smtClean="0"/>
+              <a:rPr lang="en-US"/>
               <a:t>Edit Master text styles</a:t>
             </a:r>
           </a:p>
           <a:p>
             <a:pPr lvl="1"/>
             <a:r>
-              <a:rPr lang="en-US" smtClean="0"/>
+              <a:rPr lang="en-US"/>
               <a:t>Second level</a:t>
             </a:r>
           </a:p>
           <a:p>
             <a:pPr lvl="2"/>
             <a:r>
-              <a:rPr lang="en-US" smtClean="0"/>
+              <a:rPr lang="en-US"/>
               <a:t>Third level</a:t>
             </a:r>
           </a:p>
           <a:p>
             <a:pPr lvl="3"/>
             <a:r>
-              <a:rPr lang="en-US" smtClean="0"/>
+              <a:rPr lang="en-US"/>
               <a:t>Fourth level</a:t>
             </a:r>
           </a:p>
           <a:p>
             <a:pPr lvl="4"/>
             <a:r>
-              <a:rPr lang="en-US" smtClean="0"/>
+              <a:rPr lang="en-US"/>
               <a:t>Fifth level</a:t>
             </a:r>
             <a:endParaRPr lang="en-US" dirty="0"/>
@@ -12252,7 +12016,7 @@
           <a:p>
             <a:pPr lvl="0"/>
             <a:r>
-              <a:rPr lang="en-US" smtClean="0"/>
+              <a:rPr lang="en-US"/>
               <a:t>Edit Master text styles</a:t>
             </a:r>
           </a:p>
@@ -12275,7 +12039,7 @@
           <a:p>
             <a:fld id="{FE8BC13A-84C2-4F23-B046-9F1FD285F1D3}" type="datetimeFigureOut">
               <a:rPr lang="en-US" smtClean="0"/>
-              <a:t>6/5/2017</a:t>
+              <a:t>5/10/2023</a:t>
             </a:fld>
             <a:endParaRPr lang="en-US"/>
           </a:p>
@@ -12380,7 +12144,7 @@
           </a:lstStyle>
           <a:p>
             <a:r>
-              <a:rPr lang="en-US" smtClean="0"/>
+              <a:rPr lang="en-US"/>
               <a:t>Click to edit Master title style</a:t>
             </a:r>
             <a:endParaRPr lang="en-US" dirty="0"/>
@@ -12448,7 +12212,7 @@
           </a:lstStyle>
           <a:p>
             <a:r>
-              <a:rPr lang="en-US" smtClean="0"/>
+              <a:rPr lang="en-US"/>
               <a:t>Click icon to add picture</a:t>
             </a:r>
             <a:endParaRPr lang="en-US" dirty="0"/>
@@ -12529,7 +12293,7 @@
           <a:p>
             <a:pPr lvl="0"/>
             <a:r>
-              <a:rPr lang="en-US" smtClean="0"/>
+              <a:rPr lang="en-US"/>
               <a:t>Edit Master text styles</a:t>
             </a:r>
           </a:p>
@@ -12552,7 +12316,7 @@
           <a:p>
             <a:fld id="{FE8BC13A-84C2-4F23-B046-9F1FD285F1D3}" type="datetimeFigureOut">
               <a:rPr lang="en-US" smtClean="0"/>
-              <a:t>6/5/2017</a:t>
+              <a:t>5/10/2023</a:t>
             </a:fld>
             <a:endParaRPr lang="en-US"/>
           </a:p>
@@ -12699,7 +12463,7 @@
           <a:lstStyle/>
           <a:p>
             <a:r>
-              <a:rPr lang="en-US" smtClean="0"/>
+              <a:rPr lang="en-US"/>
               <a:t>Click to edit Master title style</a:t>
             </a:r>
             <a:endParaRPr lang="en-US" dirty="0"/>
@@ -12733,35 +12497,35 @@
           <a:p>
             <a:pPr lvl="0"/>
             <a:r>
-              <a:rPr lang="en-US" smtClean="0"/>
+              <a:rPr lang="en-US"/>
               <a:t>Edit Master text styles</a:t>
             </a:r>
           </a:p>
           <a:p>
             <a:pPr lvl="1"/>
             <a:r>
-              <a:rPr lang="en-US" smtClean="0"/>
+              <a:rPr lang="en-US"/>
               <a:t>Second level</a:t>
             </a:r>
           </a:p>
           <a:p>
             <a:pPr lvl="2"/>
             <a:r>
-              <a:rPr lang="en-US" smtClean="0"/>
+              <a:rPr lang="en-US"/>
               <a:t>Third level</a:t>
             </a:r>
           </a:p>
           <a:p>
             <a:pPr lvl="3"/>
             <a:r>
-              <a:rPr lang="en-US" smtClean="0"/>
+              <a:rPr lang="en-US"/>
               <a:t>Fourth level</a:t>
             </a:r>
           </a:p>
           <a:p>
             <a:pPr lvl="4"/>
             <a:r>
-              <a:rPr lang="en-US" smtClean="0"/>
+              <a:rPr lang="en-US"/>
               <a:t>Fifth level</a:t>
             </a:r>
             <a:endParaRPr lang="en-US" dirty="0"/>
@@ -12805,7 +12569,7 @@
           <a:p>
             <a:fld id="{FE8BC13A-84C2-4F23-B046-9F1FD285F1D3}" type="datetimeFigureOut">
               <a:rPr lang="en-US" smtClean="0"/>
-              <a:t>6/5/2017</a:t>
+              <a:t>5/10/2023</a:t>
             </a:fld>
             <a:endParaRPr lang="en-US"/>
           </a:p>
@@ -13350,11 +13114,11 @@
           <a:lstStyle/>
           <a:p>
             <a:r>
-              <a:rPr lang="en-US" dirty="0" smtClean="0"/>
+              <a:rPr lang="en-US" dirty="0"/>
               <a:t>Overview &amp; Demo of </a:t>
             </a:r>
             <a:r>
-              <a:rPr lang="en-US" dirty="0" err="1" smtClean="0"/>
+              <a:rPr lang="en-US" dirty="0" err="1"/>
               <a:t>Akka.Net</a:t>
             </a:r>
             <a:endParaRPr lang="en-US" dirty="0"/>
@@ -13379,7 +13143,7 @@
           <a:lstStyle/>
           <a:p>
             <a:r>
-              <a:rPr lang="en-US" dirty="0" smtClean="0"/>
+              <a:rPr lang="en-US" dirty="0"/>
               <a:t>Presented by Mark Ewer </a:t>
             </a:r>
           </a:p>
@@ -13395,13 +13159,6 @@
   <p:clrMapOvr>
     <a:masterClrMapping/>
   </p:clrMapOvr>
-  <p:timing>
-    <p:tnLst>
-      <p:par>
-        <p:cTn id="1" dur="indefinite" restart="never" nodeType="tmRoot"/>
-      </p:par>
-    </p:tnLst>
-  </p:timing>
 </p:sld>
 </file>
 
@@ -13438,10 +13195,9 @@
           <a:lstStyle/>
           <a:p>
             <a:r>
-              <a:rPr lang="en-US" dirty="0" smtClean="0"/>
+              <a:rPr lang="en-US" dirty="0"/>
               <a:t>Remoting</a:t>
             </a:r>
-            <a:endParaRPr lang="en-US" dirty="0"/>
           </a:p>
         </p:txBody>
       </p:sp>
@@ -13484,16 +13240,15 @@
           <a:lstStyle/>
           <a:p>
             <a:r>
-              <a:rPr lang="en-US" dirty="0" smtClean="0"/>
+              <a:rPr lang="en-US" dirty="0"/>
               <a:t>Location transparency and </a:t>
             </a:r>
           </a:p>
           <a:p>
             <a:r>
-              <a:rPr lang="en-US" dirty="0" smtClean="0"/>
+              <a:rPr lang="en-US" dirty="0"/>
               <a:t>client-server operations</a:t>
             </a:r>
-            <a:endParaRPr lang="en-US" dirty="0"/>
           </a:p>
         </p:txBody>
       </p:sp>
@@ -13507,13 +13262,6 @@
   <p:clrMapOvr>
     <a:masterClrMapping/>
   </p:clrMapOvr>
-  <p:timing>
-    <p:tnLst>
-      <p:par>
-        <p:cTn id="1" dur="indefinite" restart="never" nodeType="tmRoot"/>
-      </p:par>
-    </p:tnLst>
-  </p:timing>
 </p:sld>
 </file>
 
@@ -13550,7 +13298,7 @@
           <a:lstStyle/>
           <a:p>
             <a:r>
-              <a:rPr lang="en-US" dirty="0" err="1" smtClean="0"/>
+              <a:rPr lang="en-US" dirty="0" err="1"/>
               <a:t>TestKit</a:t>
             </a:r>
             <a:endParaRPr lang="en-US" dirty="0"/>
@@ -13596,14 +13344,13 @@
           <a:lstStyle/>
           <a:p>
             <a:r>
-              <a:rPr lang="en-US" dirty="0" smtClean="0"/>
+              <a:rPr lang="en-US" dirty="0"/>
               <a:t>Unit testing with </a:t>
             </a:r>
             <a:r>
-              <a:rPr lang="en-US" smtClean="0"/>
+              <a:rPr lang="en-US"/>
               <a:t>the Akka.net </a:t>
             </a:r>
-            <a:endParaRPr lang="en-US"/>
           </a:p>
         </p:txBody>
       </p:sp>
@@ -13617,13 +13364,6 @@
   <p:clrMapOvr>
     <a:masterClrMapping/>
   </p:clrMapOvr>
-  <p:timing>
-    <p:tnLst>
-      <p:par>
-        <p:cTn id="1" dur="indefinite" restart="never" nodeType="tmRoot"/>
-      </p:par>
-    </p:tnLst>
-  </p:timing>
 </p:sld>
 </file>
 
@@ -13660,10 +13400,9 @@
           <a:lstStyle/>
           <a:p>
             <a:r>
-              <a:rPr lang="en-US" dirty="0" smtClean="0"/>
+              <a:rPr lang="en-US" dirty="0"/>
               <a:t>Fault Tolerance</a:t>
             </a:r>
-            <a:endParaRPr lang="en-US" dirty="0"/>
           </a:p>
         </p:txBody>
       </p:sp>
@@ -13683,10 +13422,9 @@
           <a:lstStyle/>
           <a:p>
             <a:r>
-              <a:rPr lang="en-US" dirty="0" smtClean="0"/>
+              <a:rPr lang="en-US" dirty="0"/>
               <a:t>Recovering from errors to get to the 5-9s of uptime</a:t>
             </a:r>
-            <a:endParaRPr lang="en-US" dirty="0"/>
           </a:p>
         </p:txBody>
       </p:sp>
@@ -13721,13 +13459,6 @@
   <p:clrMapOvr>
     <a:masterClrMapping/>
   </p:clrMapOvr>
-  <p:timing>
-    <p:tnLst>
-      <p:par>
-        <p:cTn id="1" dur="indefinite" restart="never" nodeType="tmRoot"/>
-      </p:par>
-    </p:tnLst>
-  </p:timing>
 </p:sld>
 </file>
 
@@ -13764,7 +13495,7 @@
           <a:lstStyle/>
           <a:p>
             <a:r>
-              <a:rPr lang="en-US" dirty="0" err="1" smtClean="0"/>
+              <a:rPr lang="en-US" dirty="0" err="1"/>
               <a:t>Akka.Persistance</a:t>
             </a:r>
             <a:endParaRPr lang="en-US" dirty="0"/>
@@ -13789,13 +13520,13 @@
           <a:lstStyle/>
           <a:p>
             <a:r>
-              <a:rPr lang="en-US" dirty="0" smtClean="0"/>
+              <a:rPr lang="en-US" dirty="0"/>
               <a:t>Full CQRS and Event Sourcing plugin for the Akka.net actors </a:t>
             </a:r>
           </a:p>
           <a:p>
             <a:r>
-              <a:rPr lang="en-US" dirty="0" smtClean="0"/>
+              <a:rPr lang="en-US" dirty="0"/>
               <a:t>Enables </a:t>
             </a:r>
             <a:r>
@@ -13804,49 +13535,36 @@
             </a:r>
             <a:r>
               <a:rPr lang="en-US" dirty="0"/>
-              <a:t> actors to persist their internal </a:t>
+              <a:t> actors to persist their internal state</a:t>
             </a:r>
+          </a:p>
+          <a:p>
             <a:r>
-              <a:rPr lang="en-US" dirty="0" smtClean="0"/>
-              <a:t>state</a:t>
-            </a:r>
-          </a:p>
-          <a:p>
-            <a:r>
-              <a:rPr lang="en-US" dirty="0" smtClean="0"/>
+              <a:rPr lang="en-US" dirty="0"/>
               <a:t>Includes automatic recovery after restart.</a:t>
             </a:r>
           </a:p>
           <a:p>
             <a:r>
-              <a:rPr lang="en-US" dirty="0" err="1" smtClean="0"/>
+              <a:rPr lang="en-US" dirty="0" err="1"/>
               <a:t>Stateful</a:t>
             </a:r>
             <a:r>
-              <a:rPr lang="en-US" dirty="0" smtClean="0"/>
-              <a:t> </a:t>
+              <a:rPr lang="en-US" dirty="0"/>
+              <a:t> actors are recovered by replaying stored changes to these actors from which they can rebuild internal state</a:t>
             </a:r>
+          </a:p>
+          <a:p>
             <a:r>
               <a:rPr lang="en-US" dirty="0"/>
-              <a:t>actors are recovered by replaying stored changes to these actors from which they can rebuild internal </a:t>
-            </a:r>
-            <a:r>
-              <a:rPr lang="en-US" dirty="0" smtClean="0"/>
-              <a:t>state</a:t>
-            </a:r>
-          </a:p>
-          <a:p>
-            <a:r>
-              <a:rPr lang="en-US" dirty="0" smtClean="0"/>
               <a:t>Uses snapshots for faster recovery</a:t>
             </a:r>
           </a:p>
           <a:p>
             <a:r>
-              <a:rPr lang="en-US" dirty="0" smtClean="0"/>
+              <a:rPr lang="en-US" dirty="0"/>
               <a:t>Also includes some helpers for reliable messaging and other delivery semantics</a:t>
             </a:r>
-            <a:endParaRPr lang="en-US" dirty="0"/>
           </a:p>
         </p:txBody>
       </p:sp>
@@ -13903,13 +13621,6 @@
   <p:clrMapOvr>
     <a:masterClrMapping/>
   </p:clrMapOvr>
-  <p:timing>
-    <p:tnLst>
-      <p:par>
-        <p:cTn id="1" dur="indefinite" restart="never" nodeType="tmRoot"/>
-      </p:par>
-    </p:tnLst>
-  </p:timing>
 </p:sld>
 </file>
 
@@ -13946,7 +13657,7 @@
           <a:lstStyle/>
           <a:p>
             <a:r>
-              <a:rPr lang="en-US" dirty="0" err="1" smtClean="0"/>
+              <a:rPr lang="en-US" dirty="0" err="1"/>
               <a:t>Akka.Cluster</a:t>
             </a:r>
             <a:endParaRPr lang="en-US" dirty="0"/>
@@ -14098,10 +13809,9 @@
           <a:lstStyle/>
           <a:p>
             <a:r>
-              <a:rPr lang="en-US" dirty="0" smtClean="0"/>
+              <a:rPr lang="en-US" dirty="0"/>
               <a:t>Thanks to all the new jaxdug members!</a:t>
             </a:r>
-            <a:endParaRPr lang="en-US" dirty="0"/>
           </a:p>
         </p:txBody>
       </p:sp>
@@ -14123,7 +13833,7 @@
           <a:lstStyle/>
           <a:p>
             <a:r>
-              <a:rPr lang="en-US" dirty="0" smtClean="0"/>
+              <a:rPr lang="en-US" dirty="0"/>
               <a:t>Sample code and slides available online via my GitHub repository:</a:t>
             </a:r>
           </a:p>
@@ -14132,106 +13842,57 @@
               <a:rPr lang="en-US" sz="1800" dirty="0">
                 <a:hlinkClick r:id="rId2"/>
               </a:rPr>
-              <a:t>https://</a:t>
+              <a:t>https://github.com/MarkEwer/JaxDugSamples</a:t>
             </a:r>
             <a:r>
-              <a:rPr lang="en-US" sz="1800" dirty="0" smtClean="0">
-                <a:hlinkClick r:id="rId2"/>
-              </a:rPr>
-              <a:t>github.com/MarkEwer/JaxDugSamples</a:t>
+              <a:rPr lang="en-US" sz="1800" dirty="0"/>
+              <a:t> </a:t>
+            </a:r>
+          </a:p>
+          <a:p>
+            <a:pPr algn="ctr"/>
+            <a:r>
+              <a:rPr lang="en-US" dirty="0"/>
+              <a:t>______________________________</a:t>
+            </a:r>
+          </a:p>
+          <a:p>
+            <a:endParaRPr lang="en-US" dirty="0"/>
+          </a:p>
+          <a:p>
+            <a:r>
+              <a:rPr lang="en-US" sz="1300" dirty="0"/>
+              <a:t>Email: </a:t>
             </a:r>
             <a:r>
-              <a:rPr lang="en-US" sz="1800" dirty="0" smtClean="0"/>
-              <a:t> </a:t>
-            </a:r>
-          </a:p>
-          <a:p>
-            <a:pPr algn="ctr"/>
-            <a:r>
-              <a:rPr lang="en-US" dirty="0" smtClean="0"/>
-              <a:t>______________________________</a:t>
-            </a:r>
-          </a:p>
-          <a:p>
-            <a:endParaRPr lang="en-US" dirty="0"/>
-          </a:p>
-          <a:p>
-            <a:r>
-              <a:rPr lang="en-US" sz="1300" dirty="0"/>
-              <a:t>Work:  </a:t>
-            </a:r>
-            <a:r>
-              <a:rPr lang="en-US" sz="1300" dirty="0" smtClean="0">
+              <a:rPr lang="en-US" sz="1300" dirty="0">
                 <a:hlinkClick r:id="rId3"/>
-              </a:rPr>
-              <a:t>Mewer@DiscoverTec.com</a:t>
-            </a:r>
-            <a:r>
-              <a:rPr lang="en-US" sz="1300" dirty="0" smtClean="0"/>
-              <a:t/>
-            </a:r>
-            <a:br>
-              <a:rPr lang="en-US" sz="1300" dirty="0" smtClean="0"/>
-            </a:br>
-            <a:r>
-              <a:rPr lang="en-US" sz="1300" dirty="0" smtClean="0"/>
-              <a:t>Personal</a:t>
-            </a:r>
-            <a:r>
-              <a:rPr lang="en-US" sz="1300" dirty="0"/>
-              <a:t>: </a:t>
-            </a:r>
-            <a:r>
-              <a:rPr lang="en-US" sz="1300" dirty="0" smtClean="0">
-                <a:hlinkClick r:id="rId4"/>
               </a:rPr>
               <a:t>Mark@3w3r.com</a:t>
             </a:r>
+            <a:br>
+              <a:rPr lang="en-US" sz="1300" dirty="0"/>
+            </a:br>
             <a:r>
-              <a:rPr lang="en-US" sz="1300" dirty="0" smtClean="0"/>
-              <a:t/>
+              <a:rPr lang="en-US" sz="1300" dirty="0"/>
+              <a:t>Web: </a:t>
+            </a:r>
+            <a:r>
+              <a:rPr lang="en-US" sz="1300" dirty="0">
+                <a:hlinkClick r:id="rId4"/>
+              </a:rPr>
+              <a:t>http://www.markewer.com</a:t>
             </a:r>
             <a:br>
-              <a:rPr lang="en-US" sz="1300" dirty="0" smtClean="0"/>
+              <a:rPr lang="en-US" sz="1300" dirty="0"/>
             </a:br>
             <a:r>
-              <a:rPr lang="en-US" sz="1300" dirty="0" smtClean="0"/>
-              <a:t>Web</a:t>
-            </a:r>
-            <a:r>
               <a:rPr lang="en-US" sz="1300" dirty="0"/>
-              <a:t>: </a:t>
+              <a:t>LinkedIn: </a:t>
             </a:r>
             <a:r>
               <a:rPr lang="en-US" sz="1300" dirty="0">
                 <a:hlinkClick r:id="rId5"/>
-              </a:rPr>
-              <a:t>http://</a:t>
-            </a:r>
-            <a:r>
-              <a:rPr lang="en-US" sz="1300" dirty="0" smtClean="0">
-                <a:hlinkClick r:id="rId5"/>
-              </a:rPr>
-              <a:t>www.markewer.com</a:t>
-            </a:r>
-            <a:r>
-              <a:rPr lang="en-US" sz="1300" dirty="0" smtClean="0"/>
-              <a:t/>
-            </a:r>
-            <a:br>
-              <a:rPr lang="en-US" sz="1300" dirty="0" smtClean="0"/>
-            </a:br>
-            <a:r>
-              <a:rPr lang="en-US" sz="1300" dirty="0" smtClean="0"/>
-              <a:t>LinkedIn</a:t>
-            </a:r>
-            <a:r>
-              <a:rPr lang="en-US" sz="1300" dirty="0"/>
-              <a:t>: </a:t>
-            </a:r>
-            <a:r>
-              <a:rPr lang="en-US" sz="1300" dirty="0">
-                <a:hlinkClick r:id="rId6"/>
               </a:rPr>
               <a:t>http://www.linkein.com/in/markewer</a:t>
             </a:r>
@@ -14239,20 +13900,12 @@
               <a:rPr lang="en-US" sz="1300" dirty="0"/>
               <a:t> </a:t>
             </a:r>
-            <a:r>
-              <a:rPr lang="en-US" sz="1300" dirty="0" smtClean="0"/>
-              <a:t/>
-            </a:r>
             <a:br>
-              <a:rPr lang="en-US" sz="1300" dirty="0" smtClean="0"/>
+              <a:rPr lang="en-US" sz="1300" dirty="0"/>
             </a:br>
             <a:r>
-              <a:rPr lang="en-US" sz="1300" dirty="0" smtClean="0"/>
-              <a:t>Phone</a:t>
-            </a:r>
-            <a:r>
               <a:rPr lang="en-US" sz="1300" dirty="0"/>
-              <a:t>: (904) 238-7347</a:t>
+              <a:t>Phone: (904) 238-7347</a:t>
             </a:r>
           </a:p>
           <a:p>
@@ -14269,7 +13922,7 @@
           <p:nvPr/>
         </p:nvPicPr>
         <p:blipFill rotWithShape="1">
-          <a:blip r:embed="rId7">
+          <a:blip r:embed="rId6">
             <a:extLst>
               <a:ext uri="{28A0092B-C50C-407E-A947-70E740481C1C}">
                 <a14:useLocalDpi xmlns:a14="http://schemas.microsoft.com/office/drawing/2010/main" val="0"/>
@@ -14300,7 +13953,7 @@
           </p:nvPr>
         </p:nvPicPr>
         <p:blipFill>
-          <a:blip r:embed="rId8">
+          <a:blip r:embed="rId7">
             <a:extLst>
               <a:ext uri="{28A0092B-C50C-407E-A947-70E740481C1C}">
                 <a14:useLocalDpi xmlns:a14="http://schemas.microsoft.com/office/drawing/2010/main" val="0"/>
@@ -14327,7 +13980,7 @@
           <p:nvPr/>
         </p:nvPicPr>
         <p:blipFill>
-          <a:blip r:embed="rId9">
+          <a:blip r:embed="rId8">
             <a:extLst>
               <a:ext uri="{28A0092B-C50C-407E-A947-70E740481C1C}">
                 <a14:useLocalDpi xmlns:a14="http://schemas.microsoft.com/office/drawing/2010/main" val="0"/>
@@ -14371,10 +14024,9 @@
           <a:lstStyle/>
           <a:p>
             <a:r>
-              <a:rPr lang="en-US" dirty="0" smtClean="0"/>
+              <a:rPr lang="en-US" dirty="0"/>
               <a:t>And, thanks to the sponsor for this event, Community First</a:t>
             </a:r>
-            <a:endParaRPr lang="en-US" dirty="0"/>
           </a:p>
         </p:txBody>
       </p:sp>
@@ -14402,10 +14054,9 @@
           <a:p>
             <a:pPr algn="ctr"/>
             <a:r>
-              <a:rPr lang="en-US" sz="1400" b="1" dirty="0" smtClean="0"/>
+              <a:rPr lang="en-US" sz="1400" b="1" dirty="0"/>
               <a:t>Mark Ewer</a:t>
             </a:r>
-            <a:endParaRPr lang="en-US" sz="1400" b="1" dirty="0"/>
           </a:p>
         </p:txBody>
       </p:sp>
@@ -14455,10 +14106,9 @@
           <a:lstStyle/>
           <a:p>
             <a:r>
-              <a:rPr lang="en-US" dirty="0" smtClean="0"/>
+              <a:rPr lang="en-US" dirty="0"/>
               <a:t>Agenda</a:t>
             </a:r>
-            <a:endParaRPr lang="en-US" dirty="0"/>
           </a:p>
         </p:txBody>
       </p:sp>
@@ -14480,92 +14130,92 @@
           <a:lstStyle/>
           <a:p>
             <a:r>
-              <a:rPr lang="en-US" dirty="0" smtClean="0"/>
+              <a:rPr lang="en-US" dirty="0"/>
               <a:t>What is an Actor System?</a:t>
             </a:r>
           </a:p>
           <a:p>
             <a:r>
-              <a:rPr lang="en-US" dirty="0" smtClean="0"/>
+              <a:rPr lang="en-US" dirty="0"/>
               <a:t>Code Demos</a:t>
             </a:r>
           </a:p>
           <a:p>
             <a:pPr lvl="1"/>
             <a:r>
-              <a:rPr lang="en-US" dirty="0" err="1" smtClean="0"/>
+              <a:rPr lang="en-US" dirty="0" err="1"/>
               <a:t>UntypedActor</a:t>
             </a:r>
             <a:r>
-              <a:rPr lang="en-US" dirty="0" smtClean="0"/>
+              <a:rPr lang="en-US" dirty="0"/>
               <a:t> – Simplest Actor</a:t>
             </a:r>
           </a:p>
           <a:p>
             <a:pPr lvl="1"/>
             <a:r>
-              <a:rPr lang="en-US" dirty="0" err="1" smtClean="0"/>
+              <a:rPr lang="en-US" dirty="0" err="1"/>
               <a:t>RecieveActor</a:t>
             </a:r>
             <a:r>
-              <a:rPr lang="en-US" dirty="0" smtClean="0"/>
+              <a:rPr lang="en-US" dirty="0"/>
               <a:t> – Simplest Useful Actor</a:t>
             </a:r>
           </a:p>
           <a:p>
             <a:pPr lvl="1"/>
             <a:r>
-              <a:rPr lang="en-US" dirty="0" smtClean="0"/>
+              <a:rPr lang="en-US" dirty="0"/>
               <a:t>Router – Scaling Up With Message Systems</a:t>
             </a:r>
           </a:p>
           <a:p>
             <a:pPr lvl="1"/>
             <a:r>
-              <a:rPr lang="en-US" dirty="0" smtClean="0"/>
+              <a:rPr lang="en-US" dirty="0"/>
               <a:t>Become() – High Performance State Machines</a:t>
             </a:r>
           </a:p>
           <a:p>
             <a:pPr lvl="1"/>
             <a:r>
-              <a:rPr lang="en-US" dirty="0" err="1" smtClean="0"/>
+              <a:rPr lang="en-US" dirty="0" err="1"/>
               <a:t>TestKit</a:t>
             </a:r>
             <a:r>
-              <a:rPr lang="en-US" dirty="0" smtClean="0"/>
+              <a:rPr lang="en-US" dirty="0"/>
               <a:t> – Complex Example with Unit Tests</a:t>
             </a:r>
           </a:p>
           <a:p>
             <a:r>
-              <a:rPr lang="en-US" dirty="0" smtClean="0"/>
+              <a:rPr lang="en-US" dirty="0"/>
               <a:t>Looking Forward</a:t>
             </a:r>
           </a:p>
           <a:p>
             <a:pPr lvl="1"/>
             <a:r>
-              <a:rPr lang="en-US" dirty="0" smtClean="0"/>
+              <a:rPr lang="en-US" dirty="0"/>
               <a:t>Clustering with </a:t>
             </a:r>
             <a:r>
-              <a:rPr lang="en-US" dirty="0" err="1" smtClean="0"/>
+              <a:rPr lang="en-US" dirty="0" err="1"/>
               <a:t>Akka.Cluster</a:t>
             </a:r>
-            <a:endParaRPr lang="en-US" dirty="0" smtClean="0"/>
+            <a:endParaRPr lang="en-US" dirty="0"/>
           </a:p>
           <a:p>
             <a:pPr lvl="1"/>
             <a:r>
-              <a:rPr lang="en-US" dirty="0" smtClean="0"/>
+              <a:rPr lang="en-US" dirty="0"/>
               <a:t>CQRS and </a:t>
             </a:r>
             <a:r>
-              <a:rPr lang="en-US" dirty="0" err="1" smtClean="0"/>
+              <a:rPr lang="en-US" dirty="0" err="1"/>
               <a:t>Akka.Persistance</a:t>
             </a:r>
-            <a:endParaRPr lang="en-US" dirty="0" smtClean="0"/>
+            <a:endParaRPr lang="en-US" dirty="0"/>
           </a:p>
           <a:p>
             <a:endParaRPr lang="en-US" dirty="0"/>
@@ -14611,7 +14261,7 @@
         <p:spPr>
           <a:xfrm>
             <a:off x="7394217" y="5034844"/>
-            <a:ext cx="4499693" cy="1477328"/>
+            <a:ext cx="4499693" cy="1200329"/>
           </a:xfrm>
           <a:prstGeom prst="rect">
             <a:avLst/>
@@ -14625,62 +14275,49 @@
           <a:lstStyle/>
           <a:p>
             <a:r>
-              <a:rPr lang="en-US" dirty="0"/>
-              <a:t>Work:  </a:t>
+              <a:rPr lang="en-US"/>
+              <a:t>Email: </a:t>
             </a:r>
             <a:r>
               <a:rPr lang="en-US" dirty="0">
                 <a:hlinkClick r:id="rId3"/>
               </a:rPr>
-              <a:t>Mewer@DiscoverTec.com</a:t>
+              <a:t>Mark@3w3r.com</a:t>
             </a:r>
             <a:endParaRPr lang="en-US" dirty="0"/>
           </a:p>
           <a:p>
             <a:r>
               <a:rPr lang="en-US" dirty="0"/>
-              <a:t>Personal: </a:t>
+              <a:t>Web: </a:t>
             </a:r>
             <a:r>
               <a:rPr lang="en-US" dirty="0">
                 <a:hlinkClick r:id="rId4"/>
               </a:rPr>
-              <a:t>Mark@3w3r.com</a:t>
+              <a:t>http://www.markewer.com</a:t>
             </a:r>
             <a:endParaRPr lang="en-US" dirty="0"/>
           </a:p>
           <a:p>
             <a:r>
-              <a:rPr lang="en-US" dirty="0" smtClean="0"/>
-              <a:t>Web: </a:t>
-            </a:r>
-            <a:r>
-              <a:rPr lang="en-US" dirty="0" smtClean="0">
-                <a:hlinkClick r:id="rId5"/>
-              </a:rPr>
-              <a:t>http://www.markewer.com</a:t>
-            </a:r>
-            <a:endParaRPr lang="en-US" dirty="0" smtClean="0"/>
-          </a:p>
-          <a:p>
-            <a:r>
-              <a:rPr lang="en-US" dirty="0" smtClean="0"/>
+              <a:rPr lang="en-US" dirty="0"/>
               <a:t>LinkedIn: </a:t>
             </a:r>
             <a:r>
-              <a:rPr lang="en-US" dirty="0" smtClean="0">
-                <a:hlinkClick r:id="rId6"/>
+              <a:rPr lang="en-US" dirty="0">
+                <a:hlinkClick r:id="rId5"/>
               </a:rPr>
               <a:t>http://www.linkein.com/in/markewer</a:t>
             </a:r>
             <a:r>
-              <a:rPr lang="en-US" dirty="0" smtClean="0"/>
+              <a:rPr lang="en-US" dirty="0"/>
               <a:t> </a:t>
             </a:r>
           </a:p>
           <a:p>
             <a:r>
-              <a:rPr lang="en-US" dirty="0" smtClean="0"/>
+              <a:rPr lang="en-US" dirty="0"/>
               <a:t>Phone: (904) 238-7347</a:t>
             </a:r>
           </a:p>
@@ -14696,13 +14333,6 @@
   <p:clrMapOvr>
     <a:masterClrMapping/>
   </p:clrMapOvr>
-  <p:timing>
-    <p:tnLst>
-      <p:par>
-        <p:cTn id="1" dur="indefinite" restart="never" nodeType="tmRoot"/>
-      </p:par>
-    </p:tnLst>
-  </p:timing>
 </p:sld>
 </file>
 
@@ -14739,10 +14369,9 @@
           <a:lstStyle/>
           <a:p>
             <a:r>
-              <a:rPr lang="en-US" dirty="0" smtClean="0"/>
+              <a:rPr lang="en-US" dirty="0"/>
               <a:t>What is an actor system?</a:t>
             </a:r>
-            <a:endParaRPr lang="en-US" dirty="0"/>
           </a:p>
         </p:txBody>
       </p:sp>
@@ -14764,34 +14393,34 @@
           <a:lstStyle/>
           <a:p>
             <a:r>
-              <a:rPr lang="en-US" dirty="0" smtClean="0"/>
+              <a:rPr lang="en-US" dirty="0"/>
               <a:t>It is a system architecture where every Actor sends and receives messages</a:t>
             </a:r>
           </a:p>
           <a:p>
             <a:pPr lvl="1"/>
             <a:r>
-              <a:rPr lang="en-US" dirty="0" smtClean="0"/>
+              <a:rPr lang="en-US" dirty="0"/>
               <a:t>Each actor has its own mailbox that is essentially a message queue</a:t>
             </a:r>
           </a:p>
           <a:p>
             <a:pPr lvl="1"/>
             <a:r>
-              <a:rPr lang="en-US" dirty="0" smtClean="0"/>
+              <a:rPr lang="en-US" dirty="0"/>
               <a:t>Actors encapsulate their own internal data and state</a:t>
             </a:r>
           </a:p>
           <a:p>
             <a:pPr lvl="1"/>
             <a:r>
-              <a:rPr lang="en-US" dirty="0" smtClean="0"/>
+              <a:rPr lang="en-US" dirty="0"/>
               <a:t>All methods on an actor are normally private – you don’t call the methods, you send it a message</a:t>
             </a:r>
           </a:p>
           <a:p>
             <a:r>
-              <a:rPr lang="en-US" dirty="0" smtClean="0"/>
+              <a:rPr lang="en-US" dirty="0"/>
               <a:t>Actors are single-threaded while actor systems are multi-threaded</a:t>
             </a:r>
           </a:p>
@@ -14806,67 +14435,62 @@
             <a:pPr lvl="1"/>
             <a:r>
               <a:rPr lang="en-US" dirty="0"/>
-              <a:t>No actor ever processes more than one message at a </a:t>
-            </a:r>
-            <a:r>
-              <a:rPr lang="en-US" dirty="0" smtClean="0"/>
-              <a:t>time</a:t>
+              <a:t>No actor ever processes more than one message at a time</a:t>
             </a:r>
           </a:p>
           <a:p>
             <a:pPr lvl="1"/>
             <a:r>
-              <a:rPr lang="en-US" dirty="0" smtClean="0"/>
+              <a:rPr lang="en-US" dirty="0"/>
               <a:t>High levels of concurrent processing are achieved by making lots of actors</a:t>
             </a:r>
           </a:p>
           <a:p>
             <a:r>
-              <a:rPr lang="en-US" dirty="0" smtClean="0"/>
+              <a:rPr lang="en-US" dirty="0"/>
               <a:t>Location transparency</a:t>
             </a:r>
           </a:p>
           <a:p>
             <a:pPr lvl="1"/>
             <a:r>
-              <a:rPr lang="en-US" dirty="0" smtClean="0"/>
+              <a:rPr lang="en-US" dirty="0"/>
               <a:t>Each actor has an “address” that you send messages to</a:t>
             </a:r>
           </a:p>
           <a:p>
             <a:pPr lvl="1"/>
             <a:r>
-              <a:rPr lang="en-US" dirty="0" smtClean="0"/>
+              <a:rPr lang="en-US" dirty="0"/>
               <a:t>The address will find the actor no mater what process or server it is on</a:t>
             </a:r>
           </a:p>
           <a:p>
             <a:pPr lvl="1"/>
             <a:r>
-              <a:rPr lang="en-US" dirty="0" smtClean="0"/>
+              <a:rPr lang="en-US" dirty="0"/>
               <a:t>Coding for local actors is exactly the same as remote actors</a:t>
             </a:r>
           </a:p>
           <a:p>
             <a:pPr lvl="1"/>
             <a:r>
-              <a:rPr lang="en-US" dirty="0" smtClean="0"/>
+              <a:rPr lang="en-US" dirty="0"/>
               <a:t>Clustering support is already in Beta</a:t>
             </a:r>
           </a:p>
           <a:p>
             <a:r>
-              <a:rPr lang="en-US" dirty="0" smtClean="0"/>
+              <a:rPr lang="en-US" dirty="0"/>
               <a:t>Fault Tolerance</a:t>
             </a:r>
           </a:p>
           <a:p>
             <a:pPr lvl="1"/>
             <a:r>
-              <a:rPr lang="en-US" dirty="0" smtClean="0"/>
+              <a:rPr lang="en-US" dirty="0"/>
               <a:t>Actors </a:t>
             </a:r>
-            <a:endParaRPr lang="en-US" dirty="0"/>
           </a:p>
           <a:p>
             <a:endParaRPr lang="en-US" dirty="0"/>
@@ -14883,13 +14507,6 @@
   <p:clrMapOvr>
     <a:masterClrMapping/>
   </p:clrMapOvr>
-  <p:timing>
-    <p:tnLst>
-      <p:par>
-        <p:cTn id="1" dur="indefinite" restart="never" nodeType="tmRoot"/>
-      </p:par>
-    </p:tnLst>
-  </p:timing>
 </p:sld>
 </file>
 
@@ -14926,10 +14543,9 @@
           <a:lstStyle/>
           <a:p>
             <a:r>
-              <a:rPr lang="en-US" dirty="0" smtClean="0"/>
+              <a:rPr lang="en-US" dirty="0"/>
               <a:t>Basic Actor demo</a:t>
             </a:r>
-            <a:endParaRPr lang="en-US" dirty="0"/>
           </a:p>
         </p:txBody>
       </p:sp>
@@ -14990,13 +14606,6 @@
   <p:clrMapOvr>
     <a:masterClrMapping/>
   </p:clrMapOvr>
-  <p:timing>
-    <p:tnLst>
-      <p:par>
-        <p:cTn id="1" dur="indefinite" restart="never" nodeType="tmRoot"/>
-      </p:par>
-    </p:tnLst>
-  </p:timing>
 </p:sld>
 </file>
 
@@ -15033,10 +14642,9 @@
           <a:lstStyle/>
           <a:p>
             <a:r>
-              <a:rPr lang="en-US" dirty="0" smtClean="0"/>
+              <a:rPr lang="en-US" dirty="0"/>
               <a:t>Basic Actor Demo</a:t>
             </a:r>
-            <a:endParaRPr lang="en-US" dirty="0"/>
           </a:p>
         </p:txBody>
       </p:sp>
@@ -15075,13 +14683,6 @@
   <p:clrMapOvr>
     <a:masterClrMapping/>
   </p:clrMapOvr>
-  <p:timing>
-    <p:tnLst>
-      <p:par>
-        <p:cTn id="1" dur="indefinite" restart="never" nodeType="tmRoot"/>
-      </p:par>
-    </p:tnLst>
-  </p:timing>
 </p:sld>
 </file>
 
@@ -15118,14 +14719,13 @@
           <a:lstStyle/>
           <a:p>
             <a:r>
-              <a:rPr lang="en-US" dirty="0" err="1" smtClean="0"/>
+              <a:rPr lang="en-US" dirty="0" err="1"/>
               <a:t>Untyped</a:t>
             </a:r>
             <a:r>
-              <a:rPr lang="en-US" dirty="0" smtClean="0"/>
+              <a:rPr lang="en-US" dirty="0"/>
               <a:t> Actor Demo</a:t>
             </a:r>
-            <a:endParaRPr lang="en-US" dirty="0"/>
           </a:p>
         </p:txBody>
       </p:sp>
@@ -15145,10 +14745,9 @@
           <a:lstStyle/>
           <a:p>
             <a:r>
-              <a:rPr lang="en-US" dirty="0" smtClean="0"/>
+              <a:rPr lang="en-US" dirty="0"/>
               <a:t>Most Basic Example</a:t>
             </a:r>
-            <a:endParaRPr lang="en-US" dirty="0"/>
           </a:p>
         </p:txBody>
       </p:sp>
@@ -15185,13 +14784,6 @@
   <p:clrMapOvr>
     <a:masterClrMapping/>
   </p:clrMapOvr>
-  <p:timing>
-    <p:tnLst>
-      <p:par>
-        <p:cTn id="1" dur="indefinite" restart="never" nodeType="tmRoot"/>
-      </p:par>
-    </p:tnLst>
-  </p:timing>
 </p:sld>
 </file>
 
@@ -15228,10 +14820,9 @@
           <a:lstStyle/>
           <a:p>
             <a:r>
-              <a:rPr lang="en-US" dirty="0" smtClean="0"/>
+              <a:rPr lang="en-US" dirty="0"/>
               <a:t>Receive Actor</a:t>
             </a:r>
-            <a:endParaRPr lang="en-US" dirty="0"/>
           </a:p>
         </p:txBody>
       </p:sp>
@@ -15272,10 +14863,9 @@
           <a:lstStyle/>
           <a:p>
             <a:r>
-              <a:rPr lang="en-US" dirty="0" smtClean="0"/>
+              <a:rPr lang="en-US" dirty="0"/>
               <a:t>Using typed messages</a:t>
             </a:r>
-            <a:endParaRPr lang="en-US" dirty="0"/>
           </a:p>
         </p:txBody>
       </p:sp>
@@ -15289,13 +14879,6 @@
   <p:clrMapOvr>
     <a:masterClrMapping/>
   </p:clrMapOvr>
-  <p:timing>
-    <p:tnLst>
-      <p:par>
-        <p:cTn id="1" dur="indefinite" restart="never" nodeType="tmRoot"/>
-      </p:par>
-    </p:tnLst>
-  </p:timing>
 </p:sld>
 </file>
 
@@ -15332,10 +14915,9 @@
           <a:lstStyle/>
           <a:p>
             <a:r>
-              <a:rPr lang="en-US" dirty="0" smtClean="0"/>
+              <a:rPr lang="en-US" dirty="0"/>
               <a:t>Router demo</a:t>
             </a:r>
-            <a:endParaRPr lang="en-US" dirty="0"/>
           </a:p>
         </p:txBody>
       </p:sp>
@@ -15378,10 +14960,9 @@
           <a:lstStyle/>
           <a:p>
             <a:r>
-              <a:rPr lang="en-US" dirty="0" smtClean="0"/>
+              <a:rPr lang="en-US" dirty="0"/>
               <a:t>Routers and actor pools</a:t>
             </a:r>
-            <a:endParaRPr lang="en-US" dirty="0"/>
           </a:p>
         </p:txBody>
       </p:sp>
@@ -15395,13 +14976,6 @@
   <p:clrMapOvr>
     <a:masterClrMapping/>
   </p:clrMapOvr>
-  <p:timing>
-    <p:tnLst>
-      <p:par>
-        <p:cTn id="1" dur="indefinite" restart="never" nodeType="tmRoot"/>
-      </p:par>
-    </p:tnLst>
-  </p:timing>
 </p:sld>
 </file>
 
@@ -15438,10 +15012,9 @@
           <a:lstStyle/>
           <a:p>
             <a:r>
-              <a:rPr lang="en-US" dirty="0" smtClean="0"/>
+              <a:rPr lang="en-US" dirty="0"/>
               <a:t>State Machines</a:t>
             </a:r>
-            <a:endParaRPr lang="en-US" dirty="0"/>
           </a:p>
         </p:txBody>
       </p:sp>
@@ -15486,10 +15059,9 @@
           <a:lstStyle/>
           <a:p>
             <a:r>
-              <a:rPr lang="en-US" dirty="0" smtClean="0"/>
+              <a:rPr lang="en-US" dirty="0"/>
               <a:t>Using Become() to create finite state machines</a:t>
             </a:r>
-            <a:endParaRPr lang="en-US" dirty="0"/>
           </a:p>
         </p:txBody>
       </p:sp>
@@ -15503,13 +15075,6 @@
   <p:clrMapOvr>
     <a:masterClrMapping/>
   </p:clrMapOvr>
-  <p:timing>
-    <p:tnLst>
-      <p:par>
-        <p:cTn id="1" dur="indefinite" restart="never" nodeType="tmRoot"/>
-      </p:par>
-    </p:tnLst>
-  </p:timing>
 </p:sld>
 </file>
 
